--- a/10.pptx
+++ b/10.pptx
@@ -7222,7 +7222,7 @@
         </p:nvSpPr>
         <p:spPr>
           <a:xfrm>
-            <a:off x="898375" y="6440275"/>
+            <a:off x="1140750" y="6440275"/>
             <a:ext cx="6862500" cy="338700"/>
           </a:xfrm>
           <a:prstGeom prst="rect">
@@ -7279,7 +7279,7 @@
         </p:blipFill>
         <p:spPr>
           <a:xfrm>
-            <a:off x="2663170" y="3072438"/>
+            <a:off x="2732200" y="3072438"/>
             <a:ext cx="3679601" cy="3367849"/>
           </a:xfrm>
           <a:prstGeom prst="rect">
@@ -8703,16 +8703,7 @@
               <a:buNone/>
             </a:pPr>
             <a:r>
-              <a:rPr lang="en-US" sz="2000">
-                <a:solidFill>
-                  <a:srgbClr val="FF0000"/>
-                </a:solidFill>
-                <a:latin typeface="Calibri"/>
-                <a:ea typeface="Calibri"/>
-                <a:cs typeface="Calibri"/>
-                <a:sym typeface="Calibri"/>
-              </a:rPr>
-              <a:t>change plots to start at zero, have log_2(K), remove vertical lines</a:t>
+              <a:t/>
             </a:r>
             <a:endParaRPr sz="2000">
               <a:solidFill>
@@ -10032,6 +10023,285 @@
 </file>
 
 <file path=ppt/theme/theme1.xml><?xml version="1.0" encoding="utf-8"?>
+<a:theme xmlns:a="http://schemas.openxmlformats.org/drawingml/2006/main" xmlns:r="http://schemas.openxmlformats.org/officeDocument/2006/relationships" name="ETH Course">
+  <a:themeElements>
+    <a:clrScheme name="ETH">
+      <a:dk1>
+        <a:srgbClr val="000000"/>
+      </a:dk1>
+      <a:lt1>
+        <a:srgbClr val="FFFFFF"/>
+      </a:lt1>
+      <a:dk2>
+        <a:srgbClr val="002B5F"/>
+      </a:dk2>
+      <a:lt2>
+        <a:srgbClr val="808080"/>
+      </a:lt2>
+      <a:accent1>
+        <a:srgbClr val="4F0E2B"/>
+      </a:accent1>
+      <a:accent2>
+        <a:srgbClr val="005C3C"/>
+      </a:accent2>
+      <a:accent3>
+        <a:srgbClr val="A03232"/>
+      </a:accent3>
+      <a:accent4>
+        <a:srgbClr val="F7F0BC"/>
+      </a:accent4>
+      <a:accent5>
+        <a:srgbClr val="C8DEC8"/>
+      </a:accent5>
+      <a:accent6>
+        <a:srgbClr val="D6D6F5"/>
+      </a:accent6>
+      <a:hlink>
+        <a:srgbClr val="A71D5B"/>
+      </a:hlink>
+      <a:folHlink>
+        <a:srgbClr val="A71D5B"/>
+      </a:folHlink>
+    </a:clrScheme>
+    <a:fontScheme name="Office">
+      <a:majorFont>
+        <a:latin typeface="Arial"/>
+        <a:ea typeface=""/>
+        <a:cs typeface=""/>
+        <a:font script="Jpan" typeface="ＭＳ Ｐゴシック"/>
+        <a:font script="Hang" typeface="맑은 고딕"/>
+        <a:font script="Hans" typeface="宋体"/>
+        <a:font script="Hant" typeface="新細明體"/>
+        <a:font script="Arab" typeface="Times New Roman"/>
+        <a:font script="Hebr" typeface="Times New Roman"/>
+        <a:font script="Thai" typeface="Angsana New"/>
+        <a:font script="Ethi" typeface="Nyala"/>
+        <a:font script="Beng" typeface="Vrinda"/>
+        <a:font script="Gujr" typeface="Shruti"/>
+        <a:font script="Khmr" typeface="MoolBoran"/>
+        <a:font script="Knda" typeface="Tunga"/>
+        <a:font script="Guru" typeface="Raavi"/>
+        <a:font script="Cans" typeface="Euphemia"/>
+        <a:font script="Cher" typeface="Plantagenet Cherokee"/>
+        <a:font script="Yiii" typeface="Microsoft Yi Baiti"/>
+        <a:font script="Tibt" typeface="Microsoft Himalaya"/>
+        <a:font script="Thaa" typeface="MV Boli"/>
+        <a:font script="Deva" typeface="Mangal"/>
+        <a:font script="Telu" typeface="Gautami"/>
+        <a:font script="Taml" typeface="Latha"/>
+        <a:font script="Syrc" typeface="Estrangelo Edessa"/>
+        <a:font script="Orya" typeface="Kalinga"/>
+        <a:font script="Mlym" typeface="Kartika"/>
+        <a:font script="Laoo" typeface="DokChampa"/>
+        <a:font script="Sinh" typeface="Iskoola Pota"/>
+        <a:font script="Mong" typeface="Mongolian Baiti"/>
+        <a:font script="Viet" typeface="Times New Roman"/>
+        <a:font script="Uigh" typeface="Microsoft Uighur"/>
+        <a:font script="Geor" typeface="Sylfaen"/>
+      </a:majorFont>
+      <a:minorFont>
+        <a:latin typeface="Arial"/>
+        <a:ea typeface=""/>
+        <a:cs typeface=""/>
+        <a:font script="Jpan" typeface="ＭＳ Ｐゴシック"/>
+        <a:font script="Hang" typeface="맑은 고딕"/>
+        <a:font script="Hans" typeface="宋体"/>
+        <a:font script="Hant" typeface="新細明體"/>
+        <a:font script="Arab" typeface="Arial"/>
+        <a:font script="Hebr" typeface="Arial"/>
+        <a:font script="Thai" typeface="Cordia New"/>
+        <a:font script="Ethi" typeface="Nyala"/>
+        <a:font script="Beng" typeface="Vrinda"/>
+        <a:font script="Gujr" typeface="Shruti"/>
+        <a:font script="Khmr" typeface="DaunPenh"/>
+        <a:font script="Knda" typeface="Tunga"/>
+        <a:font script="Guru" typeface="Raavi"/>
+        <a:font script="Cans" typeface="Euphemia"/>
+        <a:font script="Cher" typeface="Plantagenet Cherokee"/>
+        <a:font script="Yiii" typeface="Microsoft Yi Baiti"/>
+        <a:font script="Tibt" typeface="Microsoft Himalaya"/>
+        <a:font script="Thaa" typeface="MV Boli"/>
+        <a:font script="Deva" typeface="Mangal"/>
+        <a:font script="Telu" typeface="Gautami"/>
+        <a:font script="Taml" typeface="Latha"/>
+        <a:font script="Syrc" typeface="Estrangelo Edessa"/>
+        <a:font script="Orya" typeface="Kalinga"/>
+        <a:font script="Mlym" typeface="Kartika"/>
+        <a:font script="Laoo" typeface="DokChampa"/>
+        <a:font script="Sinh" typeface="Iskoola Pota"/>
+        <a:font script="Mong" typeface="Mongolian Baiti"/>
+        <a:font script="Viet" typeface="Arial"/>
+        <a:font script="Uigh" typeface="Microsoft Uighur"/>
+        <a:font script="Geor" typeface="Sylfaen"/>
+      </a:minorFont>
+    </a:fontScheme>
+    <a:fmtScheme name="Office">
+      <a:fillStyleLst>
+        <a:solidFill>
+          <a:schemeClr val="phClr"/>
+        </a:solidFill>
+        <a:gradFill rotWithShape="1">
+          <a:gsLst>
+            <a:gs pos="0">
+              <a:schemeClr val="phClr">
+                <a:tint val="50000"/>
+                <a:satMod val="300000"/>
+              </a:schemeClr>
+            </a:gs>
+            <a:gs pos="35000">
+              <a:schemeClr val="phClr">
+                <a:tint val="37000"/>
+                <a:satMod val="300000"/>
+              </a:schemeClr>
+            </a:gs>
+            <a:gs pos="100000">
+              <a:schemeClr val="phClr">
+                <a:tint val="15000"/>
+                <a:satMod val="350000"/>
+              </a:schemeClr>
+            </a:gs>
+          </a:gsLst>
+          <a:lin ang="16200000" scaled="1"/>
+        </a:gradFill>
+        <a:gradFill rotWithShape="1">
+          <a:gsLst>
+            <a:gs pos="0">
+              <a:schemeClr val="phClr">
+                <a:tint val="100000"/>
+                <a:shade val="100000"/>
+                <a:satMod val="130000"/>
+              </a:schemeClr>
+            </a:gs>
+            <a:gs pos="100000">
+              <a:schemeClr val="phClr">
+                <a:tint val="50000"/>
+                <a:shade val="100000"/>
+                <a:satMod val="350000"/>
+              </a:schemeClr>
+            </a:gs>
+          </a:gsLst>
+          <a:lin ang="16200000" scaled="0"/>
+        </a:gradFill>
+      </a:fillStyleLst>
+      <a:lnStyleLst>
+        <a:ln w="9525" cap="flat" cmpd="sng" algn="ctr">
+          <a:solidFill>
+            <a:schemeClr val="phClr">
+              <a:shade val="95000"/>
+              <a:satMod val="105000"/>
+            </a:schemeClr>
+          </a:solidFill>
+          <a:prstDash val="solid"/>
+        </a:ln>
+        <a:ln w="25400" cap="flat" cmpd="sng" algn="ctr">
+          <a:solidFill>
+            <a:schemeClr val="phClr"/>
+          </a:solidFill>
+          <a:prstDash val="solid"/>
+        </a:ln>
+        <a:ln w="38100" cap="flat" cmpd="sng" algn="ctr">
+          <a:solidFill>
+            <a:schemeClr val="phClr"/>
+          </a:solidFill>
+          <a:prstDash val="solid"/>
+        </a:ln>
+      </a:lnStyleLst>
+      <a:effectStyleLst>
+        <a:effectStyle>
+          <a:effectLst>
+            <a:outerShdw blurRad="40000" dist="20000" dir="5400000" rotWithShape="0">
+              <a:srgbClr val="000000">
+                <a:alpha val="38000"/>
+              </a:srgbClr>
+            </a:outerShdw>
+          </a:effectLst>
+        </a:effectStyle>
+        <a:effectStyle>
+          <a:effectLst>
+            <a:outerShdw blurRad="40000" dist="23000" dir="5400000" rotWithShape="0">
+              <a:srgbClr val="000000">
+                <a:alpha val="35000"/>
+              </a:srgbClr>
+            </a:outerShdw>
+          </a:effectLst>
+        </a:effectStyle>
+        <a:effectStyle>
+          <a:effectLst>
+            <a:outerShdw blurRad="40000" dist="23000" dir="5400000" rotWithShape="0">
+              <a:srgbClr val="000000">
+                <a:alpha val="35000"/>
+              </a:srgbClr>
+            </a:outerShdw>
+          </a:effectLst>
+          <a:scene3d>
+            <a:camera prst="orthographicFront">
+              <a:rot lat="0" lon="0" rev="0"/>
+            </a:camera>
+            <a:lightRig rig="threePt" dir="t">
+              <a:rot lat="0" lon="0" rev="1200000"/>
+            </a:lightRig>
+          </a:scene3d>
+          <a:sp3d>
+            <a:bevelT w="63500" h="25400"/>
+          </a:sp3d>
+        </a:effectStyle>
+      </a:effectStyleLst>
+      <a:bgFillStyleLst>
+        <a:solidFill>
+          <a:schemeClr val="phClr"/>
+        </a:solidFill>
+        <a:gradFill rotWithShape="1">
+          <a:gsLst>
+            <a:gs pos="0">
+              <a:schemeClr val="phClr">
+                <a:tint val="40000"/>
+                <a:satMod val="350000"/>
+              </a:schemeClr>
+            </a:gs>
+            <a:gs pos="40000">
+              <a:schemeClr val="phClr">
+                <a:tint val="45000"/>
+                <a:shade val="99000"/>
+                <a:satMod val="350000"/>
+              </a:schemeClr>
+            </a:gs>
+            <a:gs pos="100000">
+              <a:schemeClr val="phClr">
+                <a:shade val="20000"/>
+                <a:satMod val="255000"/>
+              </a:schemeClr>
+            </a:gs>
+          </a:gsLst>
+          <a:path path="circle">
+            <a:fillToRect l="50000" t="-80000" r="50000" b="180000"/>
+          </a:path>
+        </a:gradFill>
+        <a:gradFill rotWithShape="1">
+          <a:gsLst>
+            <a:gs pos="0">
+              <a:schemeClr val="phClr">
+                <a:tint val="80000"/>
+                <a:satMod val="300000"/>
+              </a:schemeClr>
+            </a:gs>
+            <a:gs pos="100000">
+              <a:schemeClr val="phClr">
+                <a:shade val="30000"/>
+                <a:satMod val="200000"/>
+              </a:schemeClr>
+            </a:gs>
+          </a:gsLst>
+          <a:path path="circle">
+            <a:fillToRect l="50000" t="50000" r="50000" b="50000"/>
+          </a:path>
+        </a:gradFill>
+      </a:bgFillStyleLst>
+    </a:fmtScheme>
+  </a:themeElements>
+</a:theme>
+</file>
+
+<file path=ppt/theme/theme2.xml><?xml version="1.0" encoding="utf-8"?>
 <a:theme xmlns:a="http://schemas.openxmlformats.org/drawingml/2006/main" xmlns:r="http://schemas.openxmlformats.org/officeDocument/2006/relationships" name="Office Theme">
   <a:themeElements>
     <a:clrScheme name="">
@@ -10308,283 +10578,4 @@
     </a:fmtScheme>
   </a:themeElements>
 </a:theme>
-</file>
-
-<file path=ppt/theme/theme2.xml><?xml version="1.0" encoding="utf-8"?>
-<a:theme xmlns:a="http://schemas.openxmlformats.org/drawingml/2006/main" xmlns:r="http://schemas.openxmlformats.org/officeDocument/2006/relationships" name="ETH Course">
-  <a:themeElements>
-    <a:clrScheme name="ETH">
-      <a:dk1>
-        <a:srgbClr val="000000"/>
-      </a:dk1>
-      <a:lt1>
-        <a:srgbClr val="FFFFFF"/>
-      </a:lt1>
-      <a:dk2>
-        <a:srgbClr val="002B5F"/>
-      </a:dk2>
-      <a:lt2>
-        <a:srgbClr val="808080"/>
-      </a:lt2>
-      <a:accent1>
-        <a:srgbClr val="4F0E2B"/>
-      </a:accent1>
-      <a:accent2>
-        <a:srgbClr val="005C3C"/>
-      </a:accent2>
-      <a:accent3>
-        <a:srgbClr val="A03232"/>
-      </a:accent3>
-      <a:accent4>
-        <a:srgbClr val="F7F0BC"/>
-      </a:accent4>
-      <a:accent5>
-        <a:srgbClr val="C8DEC8"/>
-      </a:accent5>
-      <a:accent6>
-        <a:srgbClr val="D6D6F5"/>
-      </a:accent6>
-      <a:hlink>
-        <a:srgbClr val="A71D5B"/>
-      </a:hlink>
-      <a:folHlink>
-        <a:srgbClr val="A71D5B"/>
-      </a:folHlink>
-    </a:clrScheme>
-    <a:fontScheme name="Office">
-      <a:majorFont>
-        <a:latin typeface="Arial"/>
-        <a:ea typeface=""/>
-        <a:cs typeface=""/>
-        <a:font script="Jpan" typeface="ＭＳ Ｐゴシック"/>
-        <a:font script="Hang" typeface="맑은 고딕"/>
-        <a:font script="Hans" typeface="宋体"/>
-        <a:font script="Hant" typeface="新細明體"/>
-        <a:font script="Arab" typeface="Times New Roman"/>
-        <a:font script="Hebr" typeface="Times New Roman"/>
-        <a:font script="Thai" typeface="Angsana New"/>
-        <a:font script="Ethi" typeface="Nyala"/>
-        <a:font script="Beng" typeface="Vrinda"/>
-        <a:font script="Gujr" typeface="Shruti"/>
-        <a:font script="Khmr" typeface="MoolBoran"/>
-        <a:font script="Knda" typeface="Tunga"/>
-        <a:font script="Guru" typeface="Raavi"/>
-        <a:font script="Cans" typeface="Euphemia"/>
-        <a:font script="Cher" typeface="Plantagenet Cherokee"/>
-        <a:font script="Yiii" typeface="Microsoft Yi Baiti"/>
-        <a:font script="Tibt" typeface="Microsoft Himalaya"/>
-        <a:font script="Thaa" typeface="MV Boli"/>
-        <a:font script="Deva" typeface="Mangal"/>
-        <a:font script="Telu" typeface="Gautami"/>
-        <a:font script="Taml" typeface="Latha"/>
-        <a:font script="Syrc" typeface="Estrangelo Edessa"/>
-        <a:font script="Orya" typeface="Kalinga"/>
-        <a:font script="Mlym" typeface="Kartika"/>
-        <a:font script="Laoo" typeface="DokChampa"/>
-        <a:font script="Sinh" typeface="Iskoola Pota"/>
-        <a:font script="Mong" typeface="Mongolian Baiti"/>
-        <a:font script="Viet" typeface="Times New Roman"/>
-        <a:font script="Uigh" typeface="Microsoft Uighur"/>
-        <a:font script="Geor" typeface="Sylfaen"/>
-      </a:majorFont>
-      <a:minorFont>
-        <a:latin typeface="Arial"/>
-        <a:ea typeface=""/>
-        <a:cs typeface=""/>
-        <a:font script="Jpan" typeface="ＭＳ Ｐゴシック"/>
-        <a:font script="Hang" typeface="맑은 고딕"/>
-        <a:font script="Hans" typeface="宋体"/>
-        <a:font script="Hant" typeface="新細明體"/>
-        <a:font script="Arab" typeface="Arial"/>
-        <a:font script="Hebr" typeface="Arial"/>
-        <a:font script="Thai" typeface="Cordia New"/>
-        <a:font script="Ethi" typeface="Nyala"/>
-        <a:font script="Beng" typeface="Vrinda"/>
-        <a:font script="Gujr" typeface="Shruti"/>
-        <a:font script="Khmr" typeface="DaunPenh"/>
-        <a:font script="Knda" typeface="Tunga"/>
-        <a:font script="Guru" typeface="Raavi"/>
-        <a:font script="Cans" typeface="Euphemia"/>
-        <a:font script="Cher" typeface="Plantagenet Cherokee"/>
-        <a:font script="Yiii" typeface="Microsoft Yi Baiti"/>
-        <a:font script="Tibt" typeface="Microsoft Himalaya"/>
-        <a:font script="Thaa" typeface="MV Boli"/>
-        <a:font script="Deva" typeface="Mangal"/>
-        <a:font script="Telu" typeface="Gautami"/>
-        <a:font script="Taml" typeface="Latha"/>
-        <a:font script="Syrc" typeface="Estrangelo Edessa"/>
-        <a:font script="Orya" typeface="Kalinga"/>
-        <a:font script="Mlym" typeface="Kartika"/>
-        <a:font script="Laoo" typeface="DokChampa"/>
-        <a:font script="Sinh" typeface="Iskoola Pota"/>
-        <a:font script="Mong" typeface="Mongolian Baiti"/>
-        <a:font script="Viet" typeface="Arial"/>
-        <a:font script="Uigh" typeface="Microsoft Uighur"/>
-        <a:font script="Geor" typeface="Sylfaen"/>
-      </a:minorFont>
-    </a:fontScheme>
-    <a:fmtScheme name="Office">
-      <a:fillStyleLst>
-        <a:solidFill>
-          <a:schemeClr val="phClr"/>
-        </a:solidFill>
-        <a:gradFill rotWithShape="1">
-          <a:gsLst>
-            <a:gs pos="0">
-              <a:schemeClr val="phClr">
-                <a:tint val="50000"/>
-                <a:satMod val="300000"/>
-              </a:schemeClr>
-            </a:gs>
-            <a:gs pos="35000">
-              <a:schemeClr val="phClr">
-                <a:tint val="37000"/>
-                <a:satMod val="300000"/>
-              </a:schemeClr>
-            </a:gs>
-            <a:gs pos="100000">
-              <a:schemeClr val="phClr">
-                <a:tint val="15000"/>
-                <a:satMod val="350000"/>
-              </a:schemeClr>
-            </a:gs>
-          </a:gsLst>
-          <a:lin ang="16200000" scaled="1"/>
-        </a:gradFill>
-        <a:gradFill rotWithShape="1">
-          <a:gsLst>
-            <a:gs pos="0">
-              <a:schemeClr val="phClr">
-                <a:tint val="100000"/>
-                <a:shade val="100000"/>
-                <a:satMod val="130000"/>
-              </a:schemeClr>
-            </a:gs>
-            <a:gs pos="100000">
-              <a:schemeClr val="phClr">
-                <a:tint val="50000"/>
-                <a:shade val="100000"/>
-                <a:satMod val="350000"/>
-              </a:schemeClr>
-            </a:gs>
-          </a:gsLst>
-          <a:lin ang="16200000" scaled="0"/>
-        </a:gradFill>
-      </a:fillStyleLst>
-      <a:lnStyleLst>
-        <a:ln w="9525" cap="flat" cmpd="sng" algn="ctr">
-          <a:solidFill>
-            <a:schemeClr val="phClr">
-              <a:shade val="95000"/>
-              <a:satMod val="105000"/>
-            </a:schemeClr>
-          </a:solidFill>
-          <a:prstDash val="solid"/>
-        </a:ln>
-        <a:ln w="25400" cap="flat" cmpd="sng" algn="ctr">
-          <a:solidFill>
-            <a:schemeClr val="phClr"/>
-          </a:solidFill>
-          <a:prstDash val="solid"/>
-        </a:ln>
-        <a:ln w="38100" cap="flat" cmpd="sng" algn="ctr">
-          <a:solidFill>
-            <a:schemeClr val="phClr"/>
-          </a:solidFill>
-          <a:prstDash val="solid"/>
-        </a:ln>
-      </a:lnStyleLst>
-      <a:effectStyleLst>
-        <a:effectStyle>
-          <a:effectLst>
-            <a:outerShdw blurRad="40000" dist="20000" dir="5400000" rotWithShape="0">
-              <a:srgbClr val="000000">
-                <a:alpha val="38000"/>
-              </a:srgbClr>
-            </a:outerShdw>
-          </a:effectLst>
-        </a:effectStyle>
-        <a:effectStyle>
-          <a:effectLst>
-            <a:outerShdw blurRad="40000" dist="23000" dir="5400000" rotWithShape="0">
-              <a:srgbClr val="000000">
-                <a:alpha val="35000"/>
-              </a:srgbClr>
-            </a:outerShdw>
-          </a:effectLst>
-        </a:effectStyle>
-        <a:effectStyle>
-          <a:effectLst>
-            <a:outerShdw blurRad="40000" dist="23000" dir="5400000" rotWithShape="0">
-              <a:srgbClr val="000000">
-                <a:alpha val="35000"/>
-              </a:srgbClr>
-            </a:outerShdw>
-          </a:effectLst>
-          <a:scene3d>
-            <a:camera prst="orthographicFront">
-              <a:rot lat="0" lon="0" rev="0"/>
-            </a:camera>
-            <a:lightRig rig="threePt" dir="t">
-              <a:rot lat="0" lon="0" rev="1200000"/>
-            </a:lightRig>
-          </a:scene3d>
-          <a:sp3d>
-            <a:bevelT w="63500" h="25400"/>
-          </a:sp3d>
-        </a:effectStyle>
-      </a:effectStyleLst>
-      <a:bgFillStyleLst>
-        <a:solidFill>
-          <a:schemeClr val="phClr"/>
-        </a:solidFill>
-        <a:gradFill rotWithShape="1">
-          <a:gsLst>
-            <a:gs pos="0">
-              <a:schemeClr val="phClr">
-                <a:tint val="40000"/>
-                <a:satMod val="350000"/>
-              </a:schemeClr>
-            </a:gs>
-            <a:gs pos="40000">
-              <a:schemeClr val="phClr">
-                <a:tint val="45000"/>
-                <a:shade val="99000"/>
-                <a:satMod val="350000"/>
-              </a:schemeClr>
-            </a:gs>
-            <a:gs pos="100000">
-              <a:schemeClr val="phClr">
-                <a:shade val="20000"/>
-                <a:satMod val="255000"/>
-              </a:schemeClr>
-            </a:gs>
-          </a:gsLst>
-          <a:path path="circle">
-            <a:fillToRect l="50000" t="-80000" r="50000" b="180000"/>
-          </a:path>
-        </a:gradFill>
-        <a:gradFill rotWithShape="1">
-          <a:gsLst>
-            <a:gs pos="0">
-              <a:schemeClr val="phClr">
-                <a:tint val="80000"/>
-                <a:satMod val="300000"/>
-              </a:schemeClr>
-            </a:gs>
-            <a:gs pos="100000">
-              <a:schemeClr val="phClr">
-                <a:shade val="30000"/>
-                <a:satMod val="200000"/>
-              </a:schemeClr>
-            </a:gs>
-          </a:gsLst>
-          <a:path path="circle">
-            <a:fillToRect l="50000" t="50000" r="50000" b="50000"/>
-          </a:path>
-        </a:gradFill>
-      </a:bgFillStyleLst>
-    </a:fmtScheme>
-  </a:themeElements>
-</a:theme>
 </file>
--- a/10.pptx
+++ b/10.pptx
@@ -288,7 +288,7 @@
       </p15:sldGuideLst>
     </p:ext>
     <p:ext uri="GoogleSlidesCustomDataVersion2">
-      <go:slidesCustomData xmlns:go="http://customooxmlschemas.google.com/" r:id="rId30" roundtripDataSignature="AMtx7mgxXfUl1JorTYgsvQLoE+PJYbTq+Q=="/>
+      <go:slidesCustomData xmlns:go="http://customooxmlschemas.google.com/" r:id="rId30" roundtripDataSignature="AMtx7mgkOjY3Qi10TSmK2PqSBG14QZMlwg=="/>
     </p:ext>
   </p:extLst>
 </p:presentation>
@@ -1996,7 +1996,7 @@
             </a:pPr>
             <a:r>
               <a:rPr lang="en-US"/>
-              <a:t>We should mention that the objective was not optimising for this processor, just for our chips. We tried this as a sanity check to see if our optimisations made sense in principle, it was </a:t>
+              <a:t>We should mention that the objective was not optimising for this processor, just for our chips. We tried this as a sanity check to see if our optimisations made sense in principle, and it was </a:t>
             </a:r>
             <a:r>
               <a:rPr lang="en-US"/>
@@ -2220,7 +2220,7 @@
             </a:pPr>
             <a:r>
               <a:rPr lang="en-US"/>
-              <a:t>horizontal accumulating the results of each column in a vector reg and then unpacking - 1 col/iter</a:t>
+              <a:t>horizontal accumulating the results of each column in a vector regiter and then unpacking - 1 col/iter</a:t>
             </a:r>
             <a:endParaRPr/>
           </a:p>
@@ -2336,14 +2336,7 @@
             </a:pPr>
             <a:r>
               <a:rPr lang="en-US"/>
-              <a:t>Unrolling the inner loops for the base algorithm, increases already by a lot the performance. </a:t>
-            </a:r>
-            <a:br>
-              <a:rPr lang="en-US"/>
-            </a:br>
-            <a:r>
-              <a:rPr lang="en-US"/>
-              <a:t>Blocked for example, doesn't have as much iterations in the inner loop as the BaseCSC, as we have one external loop more (on blocks)</a:t>
+              <a:t>After trying so many different things without being able to consistently outperform the base sparse format, we decided to stick with it and try some more unrolling (this time on the M, calculating four elements of Y in the inner loop). This gives of course problem with high values of K, as four rous of K don't fit in cache at the same time.</a:t>
             </a:r>
             <a:endParaRPr/>
           </a:p>
@@ -7462,6 +7455,288 @@
           </a:p>
         </p:txBody>
       </p:sp>
+      <p:pic>
+        <p:nvPicPr>
+          <p:cNvPr id="157" name="Google Shape;157;g35fefa43234_5_49"/>
+          <p:cNvPicPr preferRelativeResize="0"/>
+          <p:nvPr/>
+        </p:nvPicPr>
+        <p:blipFill>
+          <a:blip r:embed="rId3">
+            <a:alphaModFix/>
+          </a:blip>
+          <a:stretch>
+            <a:fillRect/>
+          </a:stretch>
+        </p:blipFill>
+        <p:spPr>
+          <a:xfrm>
+            <a:off x="769538" y="2603775"/>
+            <a:ext cx="7450474" cy="3880449"/>
+          </a:xfrm>
+          <a:prstGeom prst="rect">
+            <a:avLst/>
+          </a:prstGeom>
+          <a:noFill/>
+          <a:ln>
+            <a:noFill/>
+          </a:ln>
+        </p:spPr>
+      </p:pic>
+      <p:sp>
+        <p:nvSpPr>
+          <p:cNvPr id="158" name="Google Shape;158;g35fefa43234_5_49"/>
+          <p:cNvSpPr txBox="1"/>
+          <p:nvPr/>
+        </p:nvSpPr>
+        <p:spPr>
+          <a:xfrm>
+            <a:off x="5770050" y="4916950"/>
+            <a:ext cx="3000000" cy="1655400"/>
+          </a:xfrm>
+          <a:prstGeom prst="rect">
+            <a:avLst/>
+          </a:prstGeom>
+          <a:noFill/>
+          <a:ln>
+            <a:noFill/>
+          </a:ln>
+        </p:spPr>
+        <p:txBody>
+          <a:bodyPr anchorCtr="0" anchor="t" bIns="91425" lIns="91425" spcFirstLastPara="1" rIns="91425" wrap="square" tIns="91425">
+            <a:spAutoFit/>
+          </a:bodyPr>
+          <a:lstStyle/>
+          <a:p>
+            <a:pPr indent="0" lvl="0" marL="0" rtl="0" algn="l">
+              <a:lnSpc>
+                <a:spcPct val="115000"/>
+              </a:lnSpc>
+              <a:spcBef>
+                <a:spcPts val="0"/>
+              </a:spcBef>
+              <a:spcAft>
+                <a:spcPts val="0"/>
+              </a:spcAft>
+              <a:buNone/>
+            </a:pPr>
+            <a:r>
+              <a:rPr lang="en-US" sz="700"/>
+              <a:t>BaseTCSC (Sparsity 1/16): 14.91%</a:t>
+            </a:r>
+            <a:endParaRPr sz="700"/>
+          </a:p>
+          <a:p>
+            <a:pPr indent="0" lvl="0" marL="0" rtl="0" algn="l">
+              <a:lnSpc>
+                <a:spcPct val="115000"/>
+              </a:lnSpc>
+              <a:spcBef>
+                <a:spcPts val="0"/>
+              </a:spcBef>
+              <a:spcAft>
+                <a:spcPts val="0"/>
+              </a:spcAft>
+              <a:buNone/>
+            </a:pPr>
+            <a:r>
+              <a:rPr lang="en-US" sz="700"/>
+              <a:t>BaseTCSC (Sparsity 1/2): 11.12%</a:t>
+            </a:r>
+            <a:endParaRPr sz="700"/>
+          </a:p>
+          <a:p>
+            <a:pPr indent="0" lvl="0" marL="0" rtl="0" algn="l">
+              <a:lnSpc>
+                <a:spcPct val="115000"/>
+              </a:lnSpc>
+              <a:spcBef>
+                <a:spcPts val="0"/>
+              </a:spcBef>
+              <a:spcAft>
+                <a:spcPts val="0"/>
+              </a:spcAft>
+              <a:buNone/>
+            </a:pPr>
+            <a:r>
+              <a:rPr lang="en-US" sz="700"/>
+              <a:t>BaseTCSC (Sparsity 1/4): 13.07%</a:t>
+            </a:r>
+            <a:endParaRPr sz="700"/>
+          </a:p>
+          <a:p>
+            <a:pPr indent="0" lvl="0" marL="0" rtl="0" algn="l">
+              <a:lnSpc>
+                <a:spcPct val="115000"/>
+              </a:lnSpc>
+              <a:spcBef>
+                <a:spcPts val="0"/>
+              </a:spcBef>
+              <a:spcAft>
+                <a:spcPts val="0"/>
+              </a:spcAft>
+              <a:buNone/>
+            </a:pPr>
+            <a:r>
+              <a:rPr lang="en-US" sz="700"/>
+              <a:t>BaseTCSC (Sparsity 1/8): 14.94%</a:t>
+            </a:r>
+            <a:endParaRPr sz="700"/>
+          </a:p>
+          <a:p>
+            <a:pPr indent="0" lvl="0" marL="0" rtl="0" algn="l">
+              <a:lnSpc>
+                <a:spcPct val="115000"/>
+              </a:lnSpc>
+              <a:spcBef>
+                <a:spcPts val="0"/>
+              </a:spcBef>
+              <a:spcAft>
+                <a:spcPts val="0"/>
+              </a:spcAft>
+              <a:buNone/>
+            </a:pPr>
+            <a:r>
+              <a:rPr b="1" lang="en-US" sz="700"/>
+              <a:t>DoubleUnrolledTCSC_K4_M4 (Sparsity 1/16): 56.24%</a:t>
+            </a:r>
+            <a:endParaRPr b="1" sz="700"/>
+          </a:p>
+          <a:p>
+            <a:pPr indent="0" lvl="0" marL="0" rtl="0" algn="l">
+              <a:lnSpc>
+                <a:spcPct val="115000"/>
+              </a:lnSpc>
+              <a:spcBef>
+                <a:spcPts val="0"/>
+              </a:spcBef>
+              <a:spcAft>
+                <a:spcPts val="0"/>
+              </a:spcAft>
+              <a:buNone/>
+            </a:pPr>
+            <a:r>
+              <a:rPr lang="en-US" sz="700"/>
+              <a:t>DoubleUnrolledTCSC_K4_M4 (Sparsity 1/2): 49.95%</a:t>
+            </a:r>
+            <a:endParaRPr sz="700"/>
+          </a:p>
+          <a:p>
+            <a:pPr indent="0" lvl="0" marL="0" rtl="0" algn="l">
+              <a:lnSpc>
+                <a:spcPct val="115000"/>
+              </a:lnSpc>
+              <a:spcBef>
+                <a:spcPts val="0"/>
+              </a:spcBef>
+              <a:spcAft>
+                <a:spcPts val="0"/>
+              </a:spcAft>
+              <a:buNone/>
+            </a:pPr>
+            <a:r>
+              <a:rPr lang="en-US" sz="700"/>
+              <a:t>DoubleUnrolledTCSC_K4_M4 (Sparsity 1/4): 50.01%</a:t>
+            </a:r>
+            <a:endParaRPr sz="700"/>
+          </a:p>
+          <a:p>
+            <a:pPr indent="0" lvl="0" marL="0" rtl="0" algn="l">
+              <a:lnSpc>
+                <a:spcPct val="115000"/>
+              </a:lnSpc>
+              <a:spcBef>
+                <a:spcPts val="0"/>
+              </a:spcBef>
+              <a:spcAft>
+                <a:spcPts val="0"/>
+              </a:spcAft>
+              <a:buNone/>
+            </a:pPr>
+            <a:r>
+              <a:rPr lang="en-US" sz="700"/>
+              <a:t>DoubleUnrolledTCSC_K4_M4 (Sparsity 1/8): 54.12%</a:t>
+            </a:r>
+            <a:endParaRPr sz="700"/>
+          </a:p>
+          <a:p>
+            <a:pPr indent="0" lvl="0" marL="0" rtl="0" algn="l">
+              <a:lnSpc>
+                <a:spcPct val="115000"/>
+              </a:lnSpc>
+              <a:spcBef>
+                <a:spcPts val="0"/>
+              </a:spcBef>
+              <a:spcAft>
+                <a:spcPts val="0"/>
+              </a:spcAft>
+              <a:buNone/>
+            </a:pPr>
+            <a:r>
+              <a:rPr lang="en-US" sz="700"/>
+              <a:t>UnrolledTCSC_12 (Sparsity 1/16): 45.37%</a:t>
+            </a:r>
+            <a:endParaRPr sz="700"/>
+          </a:p>
+          <a:p>
+            <a:pPr indent="0" lvl="0" marL="0" rtl="0" algn="l">
+              <a:lnSpc>
+                <a:spcPct val="115000"/>
+              </a:lnSpc>
+              <a:spcBef>
+                <a:spcPts val="0"/>
+              </a:spcBef>
+              <a:spcAft>
+                <a:spcPts val="0"/>
+              </a:spcAft>
+              <a:buNone/>
+            </a:pPr>
+            <a:r>
+              <a:rPr lang="en-US" sz="700"/>
+              <a:t>UnrolledTCSC_12 (Sparsity 1/2): 43.41%</a:t>
+            </a:r>
+            <a:endParaRPr sz="700"/>
+          </a:p>
+          <a:p>
+            <a:pPr indent="0" lvl="0" marL="0" rtl="0" algn="l">
+              <a:lnSpc>
+                <a:spcPct val="115000"/>
+              </a:lnSpc>
+              <a:spcBef>
+                <a:spcPts val="0"/>
+              </a:spcBef>
+              <a:spcAft>
+                <a:spcPts val="0"/>
+              </a:spcAft>
+              <a:buNone/>
+            </a:pPr>
+            <a:r>
+              <a:rPr lang="en-US" sz="700"/>
+              <a:t>UnrolledTCSC_12 (Sparsity 1/4): 45.45%</a:t>
+            </a:r>
+            <a:endParaRPr sz="700"/>
+          </a:p>
+          <a:p>
+            <a:pPr indent="0" lvl="0" marL="0" rtl="0" algn="l">
+              <a:lnSpc>
+                <a:spcPct val="115000"/>
+              </a:lnSpc>
+              <a:spcBef>
+                <a:spcPts val="0"/>
+              </a:spcBef>
+              <a:spcAft>
+                <a:spcPts val="0"/>
+              </a:spcAft>
+              <a:buNone/>
+            </a:pPr>
+            <a:r>
+              <a:rPr lang="en-US" sz="700"/>
+              <a:t>UnrolledTCSC_12 (Sparsity 1/8): 45.77%</a:t>
+            </a:r>
+            <a:endParaRPr sz="700"/>
+          </a:p>
+        </p:txBody>
+      </p:sp>
     </p:spTree>
   </p:cSld>
   <p:clrMapOvr>
@@ -8291,7 +8566,7 @@
         </p:blipFill>
         <p:spPr>
           <a:xfrm>
-            <a:off x="840700" y="2127600"/>
+            <a:off x="1458525" y="2119025"/>
             <a:ext cx="5941100" cy="1722375"/>
           </a:xfrm>
           <a:prstGeom prst="rect">
@@ -8319,7 +8594,7 @@
         </p:blipFill>
         <p:spPr>
           <a:xfrm>
-            <a:off x="840699" y="4688899"/>
+            <a:off x="2514024" y="4843349"/>
             <a:ext cx="3082225" cy="434425"/>
           </a:xfrm>
           <a:prstGeom prst="rect">
@@ -9921,7 +10196,7 @@
         </p:blipFill>
         <p:spPr>
           <a:xfrm>
-            <a:off x="139700" y="1537992"/>
+            <a:off x="139700" y="1502467"/>
             <a:ext cx="4212767" cy="3777291"/>
           </a:xfrm>
           <a:prstGeom prst="rect">

--- a/10.pptx
+++ b/10.pptx
@@ -24,23 +24,25 @@
     <p:sldId id="269" r:id="rId19"/>
     <p:sldId id="270" r:id="rId20"/>
     <p:sldId id="271" r:id="rId21"/>
+    <p:sldId id="272" r:id="rId22"/>
+    <p:sldId id="273" r:id="rId23"/>
   </p:sldIdLst>
   <p:sldSz cy="6858000" cx="9144000"/>
   <p:notesSz cx="7302500" cy="9586900"/>
   <p:embeddedFontLst>
     <p:embeddedFont>
       <p:font typeface="Arial Narrow"/>
-      <p:regular r:id="rId22"/>
-      <p:bold r:id="rId23"/>
-      <p:italic r:id="rId24"/>
-      <p:boldItalic r:id="rId25"/>
+      <p:regular r:id="rId24"/>
+      <p:bold r:id="rId25"/>
+      <p:italic r:id="rId26"/>
+      <p:boldItalic r:id="rId27"/>
     </p:embeddedFont>
     <p:embeddedFont>
       <p:font typeface="Open Sans"/>
-      <p:regular r:id="rId26"/>
-      <p:bold r:id="rId27"/>
-      <p:italic r:id="rId28"/>
-      <p:boldItalic r:id="rId29"/>
+      <p:regular r:id="rId28"/>
+      <p:bold r:id="rId29"/>
+      <p:italic r:id="rId30"/>
+      <p:boldItalic r:id="rId31"/>
     </p:embeddedFont>
   </p:embeddedFontLst>
   <p:defaultTextStyle>
@@ -288,7 +290,7 @@
       </p15:sldGuideLst>
     </p:ext>
     <p:ext uri="GoogleSlidesCustomDataVersion2">
-      <go:slidesCustomData xmlns:go="http://customooxmlschemas.google.com/" r:id="rId30" roundtripDataSignature="AMtx7mgkOjY3Qi10TSmK2PqSBG14QZMlwg=="/>
+      <go:slidesCustomData xmlns:go="http://customooxmlschemas.google.com/" r:id="rId32" roundtripDataSignature="AMtx7mgRunsv+HZxNEBmJeWlO2sUO1qwzQ=="/>
     </p:ext>
   </p:extLst>
 </p:presentation>
@@ -1619,7 +1621,58 @@
             </a:br>
             <a:r>
               <a:rPr lang="en-US"/>
-              <a:t>Blocked for example, doesn't have as much iterations in the inner loop as the BaseCSC, as we have one external loop more (on blocks)</a:t>
+              <a:t>Why does this not happen as much for the other formats?</a:t>
+            </a:r>
+            <a:endParaRPr/>
+          </a:p>
+          <a:p>
+            <a:pPr indent="-317500" lvl="0" marL="457200" rtl="0" algn="l">
+              <a:spcBef>
+                <a:spcPts val="360"/>
+              </a:spcBef>
+              <a:spcAft>
+                <a:spcPts val="0"/>
+              </a:spcAft>
+              <a:buSzPts val="1400"/>
+              <a:buChar char="-"/>
+            </a:pPr>
+            <a:r>
+              <a:rPr lang="en-US"/>
+              <a:t>BLOCKED: has less iterations for every column, as we have another outer loop on blocks. So the pipeline is shorter and doesn't benefit as much from ILP.</a:t>
+            </a:r>
+            <a:endParaRPr/>
+          </a:p>
+          <a:p>
+            <a:pPr indent="-317500" lvl="0" marL="457200" rtl="0" algn="l">
+              <a:spcBef>
+                <a:spcPts val="0"/>
+              </a:spcBef>
+              <a:spcAft>
+                <a:spcPts val="0"/>
+              </a:spcAft>
+              <a:buSzPts val="1400"/>
+              <a:buChar char="-"/>
+            </a:pPr>
+            <a:r>
+              <a:rPr lang="en-US"/>
+              <a:t>INTERLEAVED: the cleanup code needed to process the 1s and -1s that are not in the interleaving format creates more branches and pipeline bubbles.</a:t>
+            </a:r>
+            <a:endParaRPr/>
+          </a:p>
+          <a:p>
+            <a:pPr indent="-317500" lvl="0" marL="457200" rtl="0" algn="l">
+              <a:spcBef>
+                <a:spcPts val="0"/>
+              </a:spcBef>
+              <a:spcAft>
+                <a:spcPts val="0"/>
+              </a:spcAft>
+              <a:buSzPts val="1400"/>
+              <a:buChar char="-"/>
+            </a:pPr>
+            <a:r>
+              <a:rPr lang="en-US"/>
+              <a:t>BASE: the base is nice and symmetric and has longer inner loops, so we benefit more from ILP.</a:t>
             </a:r>
             <a:endParaRPr/>
           </a:p>
@@ -2220,7 +2273,7 @@
             </a:pPr>
             <a:r>
               <a:rPr lang="en-US"/>
-              <a:t>horizontal accumulating the results of each column in a vector regiter and then unpacking - 1 col/iter</a:t>
+              <a:t>horizontal accumulating the results of each column in a vector regiter and then unpacking - 1 col/iter - 1 element of Y per iter</a:t>
             </a:r>
             <a:endParaRPr/>
           </a:p>
@@ -2236,7 +2289,7 @@
             </a:pPr>
             <a:r>
               <a:rPr lang="en-US"/>
-              <a:t>vertical summing the results of 4 columns in a vector register - 4 cols/iter</a:t>
+              <a:t>vertical summing the results of 4 columns in a vector register - 4 cols/iter - 4 elements of Y per iter</a:t>
             </a:r>
             <a:endParaRPr/>
           </a:p>
@@ -2340,11 +2393,301 @@
             </a:r>
             <a:endParaRPr/>
           </a:p>
+          <a:p>
+            <a:pPr indent="0" lvl="0" marL="0" rtl="0" algn="l">
+              <a:spcBef>
+                <a:spcPts val="360"/>
+              </a:spcBef>
+              <a:spcAft>
+                <a:spcPts val="0"/>
+              </a:spcAft>
+              <a:buNone/>
+            </a:pPr>
+            <a:r>
+              <a:t/>
+            </a:r>
+            <a:endParaRPr/>
+          </a:p>
+          <a:p>
+            <a:pPr indent="0" lvl="0" marL="0" rtl="0" algn="l">
+              <a:spcBef>
+                <a:spcPts val="360"/>
+              </a:spcBef>
+              <a:spcAft>
+                <a:spcPts val="0"/>
+              </a:spcAft>
+              <a:buNone/>
+            </a:pPr>
+            <a:r>
+              <a:t/>
+            </a:r>
+            <a:endParaRPr/>
+          </a:p>
         </p:txBody>
       </p:sp>
       <p:sp>
         <p:nvSpPr>
           <p:cNvPr id="153" name="Google Shape;153;g35fefa43234_5_49:notes"/>
+          <p:cNvSpPr/>
+          <p:nvPr>
+            <p:ph idx="2" type="sldImg"/>
+          </p:nvPr>
+        </p:nvSpPr>
+        <p:spPr>
+          <a:xfrm>
+            <a:off x="1219200" y="685800"/>
+            <a:ext cx="4876800" cy="3657600"/>
+          </a:xfrm>
+          <a:custGeom>
+            <a:rect b="b" l="l" r="r" t="t"/>
+            <a:pathLst>
+              <a:path extrusionOk="0" h="120000" w="120000">
+                <a:moveTo>
+                  <a:pt x="0" y="0"/>
+                </a:moveTo>
+                <a:lnTo>
+                  <a:pt x="120000" y="0"/>
+                </a:lnTo>
+                <a:lnTo>
+                  <a:pt x="120000" y="120000"/>
+                </a:lnTo>
+                <a:lnTo>
+                  <a:pt x="0" y="120000"/>
+                </a:lnTo>
+                <a:close/>
+              </a:path>
+            </a:pathLst>
+          </a:custGeom>
+        </p:spPr>
+      </p:sp>
+    </p:spTree>
+  </p:cSld>
+  <p:clrMapOvr>
+    <a:masterClrMapping/>
+  </p:clrMapOvr>
+</p:notes>
+</file>
+
+<file path=ppt/notesSlides/notesSlide17.xml><?xml version="1.0" encoding="utf-8"?>
+<p:notes xmlns:a="http://schemas.openxmlformats.org/drawingml/2006/main" xmlns:r="http://schemas.openxmlformats.org/officeDocument/2006/relationships" xmlns:mc="http://schemas.openxmlformats.org/markup-compatibility/2006" xmlns:mv="urn:schemas-microsoft-com:mac:vml" xmlns:p="http://schemas.openxmlformats.org/presentationml/2006/main" xmlns:c="http://schemas.openxmlformats.org/drawingml/2006/chart" xmlns:dgm="http://schemas.openxmlformats.org/drawingml/2006/diagram" xmlns:o="urn:schemas-microsoft-com:office:office" xmlns:v="urn:schemas-microsoft-com:vml" xmlns:pvml="urn:schemas-microsoft-com:office:powerpoint" xmlns:com="http://schemas.openxmlformats.org/drawingml/2006/compatibility" xmlns:p14="http://schemas.microsoft.com/office/powerpoint/2010/main" xmlns:p15="http://schemas.microsoft.com/office/powerpoint/2012/main" xmlns:ahyp="http://schemas.microsoft.com/office/drawing/2018/hyperlinkcolor" showMasterPhAnim="0" showMasterSp="0">
+  <p:cSld>
+    <p:spTree>
+      <p:nvGrpSpPr>
+        <p:cNvPr id="160" name="Shape 160"/>
+        <p:cNvGrpSpPr/>
+        <p:nvPr/>
+      </p:nvGrpSpPr>
+      <p:grpSpPr>
+        <a:xfrm>
+          <a:off x="0" y="0"/>
+          <a:ext cx="0" cy="0"/>
+          <a:chOff x="0" y="0"/>
+          <a:chExt cx="0" cy="0"/>
+        </a:xfrm>
+      </p:grpSpPr>
+      <p:sp>
+        <p:nvSpPr>
+          <p:cNvPr id="161" name="Google Shape;161;g360c9d6cddb_12_0:notes"/>
+          <p:cNvSpPr txBox="1"/>
+          <p:nvPr>
+            <p:ph idx="1" type="body"/>
+          </p:nvPr>
+        </p:nvSpPr>
+        <p:spPr>
+          <a:xfrm>
+            <a:off x="990600" y="4572000"/>
+            <a:ext cx="5334000" cy="4267200"/>
+          </a:xfrm>
+          <a:prstGeom prst="rect">
+            <a:avLst/>
+          </a:prstGeom>
+        </p:spPr>
+        <p:txBody>
+          <a:bodyPr anchorCtr="0" anchor="t" bIns="45700" lIns="91425" spcFirstLastPara="1" rIns="91425" wrap="square" tIns="45700">
+            <a:noAutofit/>
+          </a:bodyPr>
+          <a:lstStyle/>
+          <a:p>
+            <a:pPr indent="0" lvl="0" marL="0" rtl="0" algn="l">
+              <a:spcBef>
+                <a:spcPts val="360"/>
+              </a:spcBef>
+              <a:spcAft>
+                <a:spcPts val="0"/>
+              </a:spcAft>
+              <a:buNone/>
+            </a:pPr>
+            <a:r>
+              <a:rPr lang="en-US"/>
+              <a:t>After trying so many different things without being able to consistently outperform the base sparse format, we decided to stick with it and try some more unrolling (this time on the M, calculating four elements of Y in the inner loop). This gives of course problem with high values of K, as four rous of K don't fit in cache at the same time.</a:t>
+            </a:r>
+            <a:endParaRPr/>
+          </a:p>
+          <a:p>
+            <a:pPr indent="0" lvl="0" marL="0" rtl="0" algn="l">
+              <a:spcBef>
+                <a:spcPts val="360"/>
+              </a:spcBef>
+              <a:spcAft>
+                <a:spcPts val="0"/>
+              </a:spcAft>
+              <a:buNone/>
+            </a:pPr>
+            <a:r>
+              <a:t/>
+            </a:r>
+            <a:endParaRPr/>
+          </a:p>
+          <a:p>
+            <a:pPr indent="0" lvl="0" marL="0" rtl="0" algn="l">
+              <a:spcBef>
+                <a:spcPts val="360"/>
+              </a:spcBef>
+              <a:spcAft>
+                <a:spcPts val="0"/>
+              </a:spcAft>
+              <a:buNone/>
+            </a:pPr>
+            <a:r>
+              <a:t/>
+            </a:r>
+            <a:endParaRPr/>
+          </a:p>
+        </p:txBody>
+      </p:sp>
+      <p:sp>
+        <p:nvSpPr>
+          <p:cNvPr id="162" name="Google Shape;162;g360c9d6cddb_12_0:notes"/>
+          <p:cNvSpPr/>
+          <p:nvPr>
+            <p:ph idx="2" type="sldImg"/>
+          </p:nvPr>
+        </p:nvSpPr>
+        <p:spPr>
+          <a:xfrm>
+            <a:off x="1219200" y="685800"/>
+            <a:ext cx="4876800" cy="3657600"/>
+          </a:xfrm>
+          <a:custGeom>
+            <a:rect b="b" l="l" r="r" t="t"/>
+            <a:pathLst>
+              <a:path extrusionOk="0" h="120000" w="120000">
+                <a:moveTo>
+                  <a:pt x="0" y="0"/>
+                </a:moveTo>
+                <a:lnTo>
+                  <a:pt x="120000" y="0"/>
+                </a:lnTo>
+                <a:lnTo>
+                  <a:pt x="120000" y="120000"/>
+                </a:lnTo>
+                <a:lnTo>
+                  <a:pt x="0" y="120000"/>
+                </a:lnTo>
+                <a:close/>
+              </a:path>
+            </a:pathLst>
+          </a:custGeom>
+        </p:spPr>
+      </p:sp>
+    </p:spTree>
+  </p:cSld>
+  <p:clrMapOvr>
+    <a:masterClrMapping/>
+  </p:clrMapOvr>
+</p:notes>
+</file>
+
+<file path=ppt/notesSlides/notesSlide18.xml><?xml version="1.0" encoding="utf-8"?>
+<p:notes xmlns:a="http://schemas.openxmlformats.org/drawingml/2006/main" xmlns:r="http://schemas.openxmlformats.org/officeDocument/2006/relationships" xmlns:mc="http://schemas.openxmlformats.org/markup-compatibility/2006" xmlns:mv="urn:schemas-microsoft-com:mac:vml" xmlns:p="http://schemas.openxmlformats.org/presentationml/2006/main" xmlns:c="http://schemas.openxmlformats.org/drawingml/2006/chart" xmlns:dgm="http://schemas.openxmlformats.org/drawingml/2006/diagram" xmlns:o="urn:schemas-microsoft-com:office:office" xmlns:v="urn:schemas-microsoft-com:vml" xmlns:pvml="urn:schemas-microsoft-com:office:powerpoint" xmlns:com="http://schemas.openxmlformats.org/drawingml/2006/compatibility" xmlns:p14="http://schemas.microsoft.com/office/powerpoint/2010/main" xmlns:p15="http://schemas.microsoft.com/office/powerpoint/2012/main" xmlns:ahyp="http://schemas.microsoft.com/office/drawing/2018/hyperlinkcolor" showMasterPhAnim="0" showMasterSp="0">
+  <p:cSld>
+    <p:spTree>
+      <p:nvGrpSpPr>
+        <p:cNvPr id="168" name="Shape 168"/>
+        <p:cNvGrpSpPr/>
+        <p:nvPr/>
+      </p:nvGrpSpPr>
+      <p:grpSpPr>
+        <a:xfrm>
+          <a:off x="0" y="0"/>
+          <a:ext cx="0" cy="0"/>
+          <a:chOff x="0" y="0"/>
+          <a:chExt cx="0" cy="0"/>
+        </a:xfrm>
+      </p:grpSpPr>
+      <p:sp>
+        <p:nvSpPr>
+          <p:cNvPr id="169" name="Google Shape;169;g360c9d6cddb_8_0:notes"/>
+          <p:cNvSpPr txBox="1"/>
+          <p:nvPr>
+            <p:ph idx="1" type="body"/>
+          </p:nvPr>
+        </p:nvSpPr>
+        <p:spPr>
+          <a:xfrm>
+            <a:off x="990600" y="4572000"/>
+            <a:ext cx="5334000" cy="4267200"/>
+          </a:xfrm>
+          <a:prstGeom prst="rect">
+            <a:avLst/>
+          </a:prstGeom>
+        </p:spPr>
+        <p:txBody>
+          <a:bodyPr anchorCtr="0" anchor="t" bIns="45700" lIns="91425" spcFirstLastPara="1" rIns="91425" wrap="square" tIns="45700">
+            <a:noAutofit/>
+          </a:bodyPr>
+          <a:lstStyle/>
+          <a:p>
+            <a:pPr indent="0" lvl="0" marL="0" rtl="0" algn="l">
+              <a:spcBef>
+                <a:spcPts val="360"/>
+              </a:spcBef>
+              <a:spcAft>
+                <a:spcPts val="0"/>
+              </a:spcAft>
+              <a:buNone/>
+            </a:pPr>
+            <a:r>
+              <a:rPr lang="en-US"/>
+              <a:t>After trying so many different things without being able to consistently outperform the base sparse format, we decided to stick with it and try some more unrolling (this time on the M, calculating four elements of Y in the inner loop). This gives of course problem with high values of K, as four rous of K don't fit in cache at the same time.</a:t>
+            </a:r>
+            <a:endParaRPr/>
+          </a:p>
+          <a:p>
+            <a:pPr indent="0" lvl="0" marL="0" rtl="0" algn="l">
+              <a:spcBef>
+                <a:spcPts val="360"/>
+              </a:spcBef>
+              <a:spcAft>
+                <a:spcPts val="0"/>
+              </a:spcAft>
+              <a:buNone/>
+            </a:pPr>
+            <a:r>
+              <a:t/>
+            </a:r>
+            <a:endParaRPr/>
+          </a:p>
+          <a:p>
+            <a:pPr indent="0" lvl="0" marL="0" rtl="0" algn="l">
+              <a:spcBef>
+                <a:spcPts val="360"/>
+              </a:spcBef>
+              <a:spcAft>
+                <a:spcPts val="0"/>
+              </a:spcAft>
+              <a:buNone/>
+            </a:pPr>
+            <a:r>
+              <a:t/>
+            </a:r>
+            <a:endParaRPr/>
+          </a:p>
+        </p:txBody>
+      </p:sp>
+      <p:sp>
+        <p:nvSpPr>
+          <p:cNvPr id="170" name="Google Shape;170;g360c9d6cddb_8_0:notes"/>
           <p:cNvSpPr/>
           <p:nvPr>
             <p:ph idx="2" type="sldImg"/>
@@ -3129,7 +3472,7 @@
             </a:pPr>
             <a:r>
               <a:rPr lang="en-US"/>
-              <a:t>Explain that varying N degrades the performance of the non blocked algorithms as the random access on one row of X is bad.</a:t>
+              <a:t>Explain that varying K degrades the performance of the non blocked algorithms as the random access on one row of X is bad.</a:t>
             </a:r>
             <a:br>
               <a:rPr lang="en-US"/>
@@ -3152,6 +3495,21 @@
             <a:r>
               <a:rPr lang="en-US"/>
               <a:t>The red line results and algorithm that merges the two ideas presented before, the great improvement in performance though is also due to an intrinsic unrolling.</a:t>
+            </a:r>
+            <a:endParaRPr/>
+          </a:p>
+          <a:p>
+            <a:pPr indent="0" lvl="0" marL="0" rtl="0" algn="l">
+              <a:spcBef>
+                <a:spcPts val="360"/>
+              </a:spcBef>
+              <a:spcAft>
+                <a:spcPts val="0"/>
+              </a:spcAft>
+              <a:buNone/>
+            </a:pPr>
+            <a:r>
+              <a:t/>
             </a:r>
             <a:endParaRPr/>
           </a:p>
@@ -5634,7 +5992,7 @@
             </a:r>
             <a:r>
               <a:rPr b="0" lang="en-US"/>
-              <a:t>unrolling on Apple Silicon</a:t>
+              <a:t>unrolling on Apple Silicon.</a:t>
             </a:r>
             <a:endParaRPr b="0"/>
           </a:p>
@@ -6704,7 +7062,7 @@
                   <a:schemeClr val="dk1"/>
                 </a:solidFill>
               </a:rPr>
-              <a:t>UnrolledTCSC_8: 54.15%</a:t>
+              <a:t>UnrolledBlockedTCSC_8: 57.46%</a:t>
             </a:r>
             <a:endParaRPr sz="1300">
               <a:solidFill>
@@ -6720,6 +7078,64 @@
               <a:spcAft>
                 <a:spcPts val="0"/>
               </a:spcAft>
+              <a:buNone/>
+            </a:pPr>
+            <a:r>
+              <a:rPr lang="en-US" sz="1300">
+                <a:solidFill>
+                  <a:schemeClr val="dk1"/>
+                </a:solidFill>
+              </a:rPr>
+              <a:t>UnrolledInterleavedBlockedTCSC: 57.65%</a:t>
+            </a:r>
+            <a:endParaRPr sz="1300">
+              <a:solidFill>
+                <a:schemeClr val="dk1"/>
+              </a:solidFill>
+            </a:endParaRPr>
+          </a:p>
+          <a:p>
+            <a:pPr indent="0" lvl="0" marL="0" rtl="0" algn="l">
+              <a:spcBef>
+                <a:spcPts val="0"/>
+              </a:spcBef>
+              <a:spcAft>
+                <a:spcPts val="0"/>
+              </a:spcAft>
+              <a:buClr>
+                <a:schemeClr val="dk1"/>
+              </a:buClr>
+              <a:buSzPts val="1100"/>
+              <a:buFont typeface="Arial"/>
+              <a:buNone/>
+            </a:pPr>
+            <a:r>
+              <a:rPr lang="en-US" sz="1300">
+                <a:solidFill>
+                  <a:schemeClr val="dk1"/>
+                </a:solidFill>
+              </a:rPr>
+              <a:t>UnrolledTCSC_8: 54.15%</a:t>
+            </a:r>
+            <a:endParaRPr sz="1300">
+              <a:solidFill>
+                <a:schemeClr val="dk1"/>
+              </a:solidFill>
+            </a:endParaRPr>
+          </a:p>
+          <a:p>
+            <a:pPr indent="0" lvl="0" marL="0" rtl="0" algn="l">
+              <a:spcBef>
+                <a:spcPts val="0"/>
+              </a:spcBef>
+              <a:spcAft>
+                <a:spcPts val="0"/>
+              </a:spcAft>
+              <a:buClr>
+                <a:schemeClr val="dk1"/>
+              </a:buClr>
+              <a:buSzPts val="1100"/>
+              <a:buFont typeface="Arial"/>
               <a:buNone/>
             </a:pPr>
             <a:r>
@@ -6729,54 +7145,6 @@
                 </a:solidFill>
               </a:rPr>
               <a:t>UnrolledTCSC_12: 53.11%</a:t>
-            </a:r>
-            <a:endParaRPr sz="1300">
-              <a:solidFill>
-                <a:schemeClr val="dk1"/>
-              </a:solidFill>
-            </a:endParaRPr>
-          </a:p>
-          <a:p>
-            <a:pPr indent="0" lvl="0" marL="0" rtl="0" algn="l">
-              <a:spcBef>
-                <a:spcPts val="0"/>
-              </a:spcBef>
-              <a:spcAft>
-                <a:spcPts val="0"/>
-              </a:spcAft>
-              <a:buNone/>
-            </a:pPr>
-            <a:r>
-              <a:rPr lang="en-US" sz="1300">
-                <a:solidFill>
-                  <a:schemeClr val="dk1"/>
-                </a:solidFill>
-              </a:rPr>
-              <a:t>UnrolledBlockedTCSC_8: 57.46%</a:t>
-            </a:r>
-            <a:endParaRPr sz="1300">
-              <a:solidFill>
-                <a:schemeClr val="dk1"/>
-              </a:solidFill>
-            </a:endParaRPr>
-          </a:p>
-          <a:p>
-            <a:pPr indent="0" lvl="0" marL="0" rtl="0" algn="l">
-              <a:spcBef>
-                <a:spcPts val="0"/>
-              </a:spcBef>
-              <a:spcAft>
-                <a:spcPts val="0"/>
-              </a:spcAft>
-              <a:buNone/>
-            </a:pPr>
-            <a:r>
-              <a:rPr lang="en-US" sz="1300">
-                <a:solidFill>
-                  <a:schemeClr val="dk1"/>
-                </a:solidFill>
-              </a:rPr>
-              <a:t>UnrolledInterleavedBlockedTCSC: 57.65%</a:t>
             </a:r>
             <a:endParaRPr sz="1300">
               <a:solidFill>
@@ -6895,7 +7263,7 @@
         <p:spPr>
           <a:xfrm>
             <a:off x="364050" y="942900"/>
-            <a:ext cx="8233200" cy="4014300"/>
+            <a:ext cx="8233200" cy="3062700"/>
           </a:xfrm>
           <a:prstGeom prst="rect">
             <a:avLst/>
@@ -6927,7 +7295,15 @@
             </a:r>
             <a:r>
               <a:rPr b="0" lang="en-US"/>
-              <a:t>UnrolledTCSC performs best on </a:t>
+              <a:t>Unrolling the base data structure performed</a:t>
+            </a:r>
+            <a:r>
+              <a:rPr b="0" lang="en-US"/>
+              <a:t> the</a:t>
+            </a:r>
+            <a:r>
+              <a:rPr b="0" lang="en-US"/>
+              <a:t> best on </a:t>
             </a:r>
             <a:r>
               <a:rPr b="0" lang="en-US"/>
@@ -6935,7 +7311,7 @@
             </a:r>
             <a:r>
               <a:rPr b="0" lang="en-US"/>
-              <a:t>but not on x86</a:t>
+              <a:t>but not on x86.</a:t>
             </a:r>
             <a:endParaRPr b="0"/>
           </a:p>
@@ -6969,7 +7345,7 @@
             </a:pPr>
             <a:r>
               <a:rPr lang="en-US"/>
-              <a:t>4 FP units, more benefit from ILP</a:t>
+              <a:t>The AMD Zen 3 x86 FADD latency is 6-7 cycles, while Apple Silicon is 3 cycles.</a:t>
             </a:r>
             <a:endParaRPr/>
           </a:p>
@@ -6986,7 +7362,7 @@
             </a:pPr>
             <a:r>
               <a:rPr lang="en-US"/>
-              <a:t>The AMD Zen 3 x86 FADD latency is 6-7 cycles, while Apple Silicon is 3 cycles</a:t>
+              <a:t>Pipeline bubbles are larger on x86 because of a higher FADD latency.</a:t>
             </a:r>
             <a:endParaRPr/>
           </a:p>
@@ -7003,24 +7379,7 @@
             </a:pPr>
             <a:r>
               <a:rPr lang="en-US"/>
-              <a:t>Pipeline bubbles are larger on x86 because of a higher FADD latency</a:t>
-            </a:r>
-            <a:endParaRPr/>
-          </a:p>
-          <a:p>
-            <a:pPr indent="-283844" lvl="1" marL="742950" rtl="0" algn="l">
-              <a:spcBef>
-                <a:spcPts val="1200"/>
-              </a:spcBef>
-              <a:spcAft>
-                <a:spcPts val="0"/>
-              </a:spcAft>
-              <a:buSzPts val="1950"/>
-              <a:buChar char="▪"/>
-            </a:pPr>
-            <a:r>
-              <a:rPr lang="en-US"/>
-              <a:t>Overall, the reduction in unrolling speedup for other formats outweighs their spatial locality benefits</a:t>
+              <a:t>The reduction in unrolling speedup for other formats outweighs their spatial locality benefits on Apple Silicon.</a:t>
             </a:r>
             <a:endParaRPr/>
           </a:p>
@@ -7138,7 +7497,7 @@
             </a:r>
             <a:r>
               <a:rPr b="0" lang="en-US"/>
-              <a:t>performance over BaseTCSC with PReLU.</a:t>
+              <a:t>performance over BaseTCSC (with PReLU).</a:t>
             </a:r>
             <a:endParaRPr b="0"/>
           </a:p>
@@ -7193,7 +7552,7 @@
             </a:r>
             <a:r>
               <a:rPr lang="en-US"/>
-              <a:t> vectorization performed slightly better than </a:t>
+              <a:t> vectorization performed better than </a:t>
             </a:r>
             <a:r>
               <a:rPr b="1" lang="en-US"/>
@@ -7421,9 +7780,19 @@
               <a:rPr b="0" lang="en-US"/>
               <a:t>Up to this point, the best speedup was still from the unrolled version of BaseTCSC using 12 accumulators.</a:t>
             </a:r>
-            <a:br>
-              <a:rPr b="0" lang="en-US"/>
-            </a:br>
+            <a:endParaRPr b="0"/>
+          </a:p>
+          <a:p>
+            <a:pPr indent="-342900" lvl="0" marL="342900" rtl="0" algn="l">
+              <a:spcBef>
+                <a:spcPts val="1200"/>
+              </a:spcBef>
+              <a:spcAft>
+                <a:spcPts val="0"/>
+              </a:spcAft>
+              <a:buSzPts val="1200"/>
+              <a:buChar char="⬛"/>
+            </a:pPr>
             <a:r>
               <a:rPr b="0" lang="en-US"/>
               <a:t>To get the last speedup we tried </a:t>
@@ -7434,7 +7803,7 @@
             </a:r>
             <a:r>
               <a:rPr b="0" lang="en-US"/>
-              <a:t> that could increase ILP even more: unrolling on M, processing multiple rows on Y at a time.</a:t>
+              <a:t> that could increase ILP even more: unrolling on M, processing multiple rows on Y at a time. The optimal unrolling factor were found to be 4 on K, 4 on M.</a:t>
             </a:r>
             <a:endParaRPr b="0"/>
           </a:p>
@@ -7458,6 +7827,500 @@
       <p:pic>
         <p:nvPicPr>
           <p:cNvPr id="157" name="Google Shape;157;g35fefa43234_5_49"/>
+          <p:cNvPicPr preferRelativeResize="0"/>
+          <p:nvPr/>
+        </p:nvPicPr>
+        <p:blipFill rotWithShape="1">
+          <a:blip r:embed="rId3">
+            <a:alphaModFix/>
+          </a:blip>
+          <a:srcRect b="0" l="0" r="32962" t="0"/>
+          <a:stretch/>
+        </p:blipFill>
+        <p:spPr>
+          <a:xfrm>
+            <a:off x="414125" y="2663700"/>
+            <a:ext cx="5191549" cy="4131276"/>
+          </a:xfrm>
+          <a:prstGeom prst="rect">
+            <a:avLst/>
+          </a:prstGeom>
+          <a:noFill/>
+          <a:ln>
+            <a:noFill/>
+          </a:ln>
+        </p:spPr>
+      </p:pic>
+      <p:sp>
+        <p:nvSpPr>
+          <p:cNvPr id="158" name="Google Shape;158;g35fefa43234_5_49"/>
+          <p:cNvSpPr txBox="1"/>
+          <p:nvPr/>
+        </p:nvSpPr>
+        <p:spPr>
+          <a:xfrm>
+            <a:off x="5661374" y="4745397"/>
+            <a:ext cx="3118200" cy="2075700"/>
+          </a:xfrm>
+          <a:prstGeom prst="rect">
+            <a:avLst/>
+          </a:prstGeom>
+          <a:noFill/>
+          <a:ln>
+            <a:noFill/>
+          </a:ln>
+        </p:spPr>
+        <p:txBody>
+          <a:bodyPr anchorCtr="0" anchor="t" bIns="91425" lIns="91425" spcFirstLastPara="1" rIns="91425" wrap="square" tIns="91425">
+            <a:spAutoFit/>
+          </a:bodyPr>
+          <a:lstStyle/>
+          <a:p>
+            <a:pPr indent="0" lvl="0" marL="0" rtl="0" algn="l">
+              <a:lnSpc>
+                <a:spcPct val="115000"/>
+              </a:lnSpc>
+              <a:spcBef>
+                <a:spcPts val="0"/>
+              </a:spcBef>
+              <a:spcAft>
+                <a:spcPts val="0"/>
+              </a:spcAft>
+              <a:buNone/>
+            </a:pPr>
+            <a:r>
+              <a:rPr lang="en-US" sz="900"/>
+              <a:t>BaseTCSC (Sparsity 1/16): 14.91%</a:t>
+            </a:r>
+            <a:endParaRPr sz="900"/>
+          </a:p>
+          <a:p>
+            <a:pPr indent="0" lvl="0" marL="0" rtl="0" algn="l">
+              <a:lnSpc>
+                <a:spcPct val="115000"/>
+              </a:lnSpc>
+              <a:spcBef>
+                <a:spcPts val="0"/>
+              </a:spcBef>
+              <a:spcAft>
+                <a:spcPts val="0"/>
+              </a:spcAft>
+              <a:buNone/>
+            </a:pPr>
+            <a:r>
+              <a:rPr lang="en-US" sz="900"/>
+              <a:t>BaseTCSC (Sparsity 1/2): 11.12%</a:t>
+            </a:r>
+            <a:endParaRPr sz="900"/>
+          </a:p>
+          <a:p>
+            <a:pPr indent="0" lvl="0" marL="0" rtl="0" algn="l">
+              <a:lnSpc>
+                <a:spcPct val="115000"/>
+              </a:lnSpc>
+              <a:spcBef>
+                <a:spcPts val="0"/>
+              </a:spcBef>
+              <a:spcAft>
+                <a:spcPts val="0"/>
+              </a:spcAft>
+              <a:buNone/>
+            </a:pPr>
+            <a:r>
+              <a:rPr lang="en-US" sz="900"/>
+              <a:t>BaseTCSC (Sparsity 1/4): 13.07%</a:t>
+            </a:r>
+            <a:endParaRPr sz="900"/>
+          </a:p>
+          <a:p>
+            <a:pPr indent="0" lvl="0" marL="0" rtl="0" algn="l">
+              <a:lnSpc>
+                <a:spcPct val="115000"/>
+              </a:lnSpc>
+              <a:spcBef>
+                <a:spcPts val="0"/>
+              </a:spcBef>
+              <a:spcAft>
+                <a:spcPts val="0"/>
+              </a:spcAft>
+              <a:buNone/>
+            </a:pPr>
+            <a:r>
+              <a:rPr lang="en-US" sz="900"/>
+              <a:t>BaseTCSC (Sparsity 1/8): 14.94%</a:t>
+            </a:r>
+            <a:endParaRPr sz="900"/>
+          </a:p>
+          <a:p>
+            <a:pPr indent="0" lvl="0" marL="0" rtl="0" algn="l">
+              <a:lnSpc>
+                <a:spcPct val="115000"/>
+              </a:lnSpc>
+              <a:spcBef>
+                <a:spcPts val="0"/>
+              </a:spcBef>
+              <a:spcAft>
+                <a:spcPts val="0"/>
+              </a:spcAft>
+              <a:buNone/>
+            </a:pPr>
+            <a:r>
+              <a:rPr b="1" lang="en-US" sz="900"/>
+              <a:t>DoubleUnrolledTCSC_K4_M4 (Sparsity 1/16): 56.24%</a:t>
+            </a:r>
+            <a:endParaRPr b="1" sz="900"/>
+          </a:p>
+          <a:p>
+            <a:pPr indent="0" lvl="0" marL="0" rtl="0" algn="l">
+              <a:lnSpc>
+                <a:spcPct val="115000"/>
+              </a:lnSpc>
+              <a:spcBef>
+                <a:spcPts val="0"/>
+              </a:spcBef>
+              <a:spcAft>
+                <a:spcPts val="0"/>
+              </a:spcAft>
+              <a:buNone/>
+            </a:pPr>
+            <a:r>
+              <a:rPr lang="en-US" sz="900"/>
+              <a:t>DoubleUnrolledTCSC_K4_M4 (Sparsity 1/2): 49.95%</a:t>
+            </a:r>
+            <a:endParaRPr sz="900"/>
+          </a:p>
+          <a:p>
+            <a:pPr indent="0" lvl="0" marL="0" rtl="0" algn="l">
+              <a:lnSpc>
+                <a:spcPct val="115000"/>
+              </a:lnSpc>
+              <a:spcBef>
+                <a:spcPts val="0"/>
+              </a:spcBef>
+              <a:spcAft>
+                <a:spcPts val="0"/>
+              </a:spcAft>
+              <a:buNone/>
+            </a:pPr>
+            <a:r>
+              <a:rPr lang="en-US" sz="900"/>
+              <a:t>DoubleUnrolledTCSC_K4_M4 (Sparsity 1/4): 50.01%</a:t>
+            </a:r>
+            <a:endParaRPr sz="900"/>
+          </a:p>
+          <a:p>
+            <a:pPr indent="0" lvl="0" marL="0" rtl="0" algn="l">
+              <a:lnSpc>
+                <a:spcPct val="115000"/>
+              </a:lnSpc>
+              <a:spcBef>
+                <a:spcPts val="0"/>
+              </a:spcBef>
+              <a:spcAft>
+                <a:spcPts val="0"/>
+              </a:spcAft>
+              <a:buNone/>
+            </a:pPr>
+            <a:r>
+              <a:rPr lang="en-US" sz="900"/>
+              <a:t>DoubleUnrolledTCSC_K4_M4 (Sparsity 1/8): 54.12%</a:t>
+            </a:r>
+            <a:endParaRPr sz="900"/>
+          </a:p>
+          <a:p>
+            <a:pPr indent="0" lvl="0" marL="0" rtl="0" algn="l">
+              <a:lnSpc>
+                <a:spcPct val="115000"/>
+              </a:lnSpc>
+              <a:spcBef>
+                <a:spcPts val="0"/>
+              </a:spcBef>
+              <a:spcAft>
+                <a:spcPts val="0"/>
+              </a:spcAft>
+              <a:buNone/>
+            </a:pPr>
+            <a:r>
+              <a:rPr lang="en-US" sz="900"/>
+              <a:t>UnrolledTCSC_12 (Sparsity 1/16): 45.37%</a:t>
+            </a:r>
+            <a:endParaRPr sz="900"/>
+          </a:p>
+          <a:p>
+            <a:pPr indent="0" lvl="0" marL="0" rtl="0" algn="l">
+              <a:lnSpc>
+                <a:spcPct val="115000"/>
+              </a:lnSpc>
+              <a:spcBef>
+                <a:spcPts val="0"/>
+              </a:spcBef>
+              <a:spcAft>
+                <a:spcPts val="0"/>
+              </a:spcAft>
+              <a:buNone/>
+            </a:pPr>
+            <a:r>
+              <a:rPr lang="en-US" sz="900"/>
+              <a:t>UnrolledTCSC_12 (Sparsity 1/2): 43.41%</a:t>
+            </a:r>
+            <a:endParaRPr sz="900"/>
+          </a:p>
+          <a:p>
+            <a:pPr indent="0" lvl="0" marL="0" rtl="0" algn="l">
+              <a:lnSpc>
+                <a:spcPct val="115000"/>
+              </a:lnSpc>
+              <a:spcBef>
+                <a:spcPts val="0"/>
+              </a:spcBef>
+              <a:spcAft>
+                <a:spcPts val="0"/>
+              </a:spcAft>
+              <a:buNone/>
+            </a:pPr>
+            <a:r>
+              <a:rPr lang="en-US" sz="900"/>
+              <a:t>UnrolledTCSC_12 (Sparsity 1/4): 45.45%</a:t>
+            </a:r>
+            <a:endParaRPr sz="900"/>
+          </a:p>
+          <a:p>
+            <a:pPr indent="0" lvl="0" marL="0" rtl="0" algn="l">
+              <a:lnSpc>
+                <a:spcPct val="115000"/>
+              </a:lnSpc>
+              <a:spcBef>
+                <a:spcPts val="0"/>
+              </a:spcBef>
+              <a:spcAft>
+                <a:spcPts val="0"/>
+              </a:spcAft>
+              <a:buNone/>
+            </a:pPr>
+            <a:r>
+              <a:rPr lang="en-US" sz="900"/>
+              <a:t>UnrolledTCSC_12 (Sparsity 1/8): 45.77%</a:t>
+            </a:r>
+            <a:endParaRPr sz="900"/>
+          </a:p>
+        </p:txBody>
+      </p:sp>
+      <p:pic>
+        <p:nvPicPr>
+          <p:cNvPr id="159" name="Google Shape;159;g35fefa43234_5_49"/>
+          <p:cNvPicPr preferRelativeResize="0"/>
+          <p:nvPr/>
+        </p:nvPicPr>
+        <p:blipFill rotWithShape="1">
+          <a:blip r:embed="rId3">
+            <a:alphaModFix/>
+          </a:blip>
+          <a:srcRect b="41140" l="66739" r="0" t="10021"/>
+          <a:stretch/>
+        </p:blipFill>
+        <p:spPr>
+          <a:xfrm>
+            <a:off x="5605675" y="2802850"/>
+            <a:ext cx="2575699" cy="2017626"/>
+          </a:xfrm>
+          <a:prstGeom prst="rect">
+            <a:avLst/>
+          </a:prstGeom>
+          <a:noFill/>
+          <a:ln>
+            <a:noFill/>
+          </a:ln>
+        </p:spPr>
+      </p:pic>
+    </p:spTree>
+  </p:cSld>
+  <p:clrMapOvr>
+    <a:masterClrMapping/>
+  </p:clrMapOvr>
+</p:sld>
+</file>
+
+<file path=ppt/slides/slide17.xml><?xml version="1.0" encoding="utf-8"?>
+<p:sld xmlns:a="http://schemas.openxmlformats.org/drawingml/2006/main" xmlns:r="http://schemas.openxmlformats.org/officeDocument/2006/relationships" xmlns:mc="http://schemas.openxmlformats.org/markup-compatibility/2006" xmlns:mv="urn:schemas-microsoft-com:mac:vml" xmlns:p="http://schemas.openxmlformats.org/presentationml/2006/main" xmlns:c="http://schemas.openxmlformats.org/drawingml/2006/chart" xmlns:dgm="http://schemas.openxmlformats.org/drawingml/2006/diagram" xmlns:o="urn:schemas-microsoft-com:office:office" xmlns:v="urn:schemas-microsoft-com:vml" xmlns:pvml="urn:schemas-microsoft-com:office:powerpoint" xmlns:com="http://schemas.openxmlformats.org/drawingml/2006/compatibility" xmlns:p14="http://schemas.microsoft.com/office/powerpoint/2010/main" xmlns:p15="http://schemas.microsoft.com/office/powerpoint/2012/main" xmlns:ahyp="http://schemas.microsoft.com/office/drawing/2018/hyperlinkcolor">
+  <p:cSld>
+    <p:spTree>
+      <p:nvGrpSpPr>
+        <p:cNvPr id="163" name="Shape 163"/>
+        <p:cNvGrpSpPr/>
+        <p:nvPr/>
+      </p:nvGrpSpPr>
+      <p:grpSpPr>
+        <a:xfrm>
+          <a:off x="0" y="0"/>
+          <a:ext cx="0" cy="0"/>
+          <a:chOff x="0" y="0"/>
+          <a:chExt cx="0" cy="0"/>
+        </a:xfrm>
+      </p:grpSpPr>
+      <p:sp>
+        <p:nvSpPr>
+          <p:cNvPr id="164" name="Google Shape;164;g360c9d6cddb_12_0"/>
+          <p:cNvSpPr txBox="1"/>
+          <p:nvPr>
+            <p:ph type="title"/>
+          </p:nvPr>
+        </p:nvSpPr>
+        <p:spPr>
+          <a:xfrm>
+            <a:off x="369002" y="180900"/>
+            <a:ext cx="8406000" cy="762000"/>
+          </a:xfrm>
+          <a:prstGeom prst="rect">
+            <a:avLst/>
+          </a:prstGeom>
+          <a:noFill/>
+          <a:ln>
+            <a:noFill/>
+          </a:ln>
+        </p:spPr>
+        <p:txBody>
+          <a:bodyPr anchorCtr="0" anchor="t" bIns="45700" lIns="91425" spcFirstLastPara="1" rIns="91425" wrap="square" tIns="91425">
+            <a:noAutofit/>
+          </a:bodyPr>
+          <a:lstStyle/>
+          <a:p>
+            <a:pPr indent="0" lvl="0" marL="0" rtl="0" algn="l">
+              <a:spcBef>
+                <a:spcPts val="0"/>
+              </a:spcBef>
+              <a:spcAft>
+                <a:spcPts val="0"/>
+              </a:spcAft>
+              <a:buNone/>
+            </a:pPr>
+            <a:r>
+              <a:rPr lang="en-US"/>
+              <a:t>Other Ideas We Tried</a:t>
+            </a:r>
+            <a:endParaRPr/>
+          </a:p>
+        </p:txBody>
+      </p:sp>
+      <p:sp>
+        <p:nvSpPr>
+          <p:cNvPr id="165" name="Google Shape;165;g360c9d6cddb_12_0"/>
+          <p:cNvSpPr txBox="1"/>
+          <p:nvPr>
+            <p:ph idx="1" type="body"/>
+          </p:nvPr>
+        </p:nvSpPr>
+        <p:spPr>
+          <a:xfrm>
+            <a:off x="364050" y="942900"/>
+            <a:ext cx="5235000" cy="4334700"/>
+          </a:xfrm>
+          <a:prstGeom prst="rect">
+            <a:avLst/>
+          </a:prstGeom>
+          <a:noFill/>
+          <a:ln>
+            <a:noFill/>
+          </a:ln>
+        </p:spPr>
+        <p:txBody>
+          <a:bodyPr anchorCtr="0" anchor="t" bIns="45700" lIns="91425" spcFirstLastPara="1" rIns="91425" wrap="square" tIns="45700">
+            <a:noAutofit/>
+          </a:bodyPr>
+          <a:lstStyle/>
+          <a:p>
+            <a:pPr indent="-342900" lvl="0" marL="342900" rtl="0" algn="l">
+              <a:spcBef>
+                <a:spcPts val="1200"/>
+              </a:spcBef>
+              <a:spcAft>
+                <a:spcPts val="0"/>
+              </a:spcAft>
+              <a:buSzPts val="1200"/>
+              <a:buChar char="⬛"/>
+            </a:pPr>
+            <a:r>
+              <a:rPr b="0" lang="en-US"/>
+              <a:t>Compiler flag gridsearch: 2x speedup over base compiler.</a:t>
+            </a:r>
+            <a:endParaRPr b="0"/>
+          </a:p>
+          <a:p>
+            <a:pPr indent="-342900" lvl="0" marL="342900" rtl="0" algn="l">
+              <a:spcBef>
+                <a:spcPts val="1200"/>
+              </a:spcBef>
+              <a:spcAft>
+                <a:spcPts val="0"/>
+              </a:spcAft>
+              <a:buSzPts val="1200"/>
+              <a:buChar char="⬛"/>
+            </a:pPr>
+            <a:r>
+              <a:rPr b="0" lang="en-US"/>
+              <a:t>Generate instructions</a:t>
+            </a:r>
+            <a:r>
+              <a:rPr b="0" lang="en-US"/>
+              <a:t> for a given W: No speedup due to L1I cache constraints.</a:t>
+            </a:r>
+            <a:endParaRPr b="0"/>
+          </a:p>
+          <a:p>
+            <a:pPr indent="-342900" lvl="0" marL="342900" rtl="0" algn="l">
+              <a:spcBef>
+                <a:spcPts val="1200"/>
+              </a:spcBef>
+              <a:spcAft>
+                <a:spcPts val="0"/>
+              </a:spcAft>
+              <a:buSzPts val="1200"/>
+              <a:buChar char="⬛"/>
+            </a:pPr>
+            <a:r>
+              <a:rPr b="0" lang="en-US"/>
+              <a:t>Inverted index to represent +1 and -1 values in same array</a:t>
+            </a:r>
+            <a:endParaRPr b="0"/>
+          </a:p>
+          <a:p>
+            <a:pPr indent="-342900" lvl="0" marL="342900" rtl="0" algn="l">
+              <a:spcBef>
+                <a:spcPts val="1200"/>
+              </a:spcBef>
+              <a:spcAft>
+                <a:spcPts val="0"/>
+              </a:spcAft>
+              <a:buSzPts val="1200"/>
+              <a:buChar char="⬛"/>
+            </a:pPr>
+            <a:r>
+              <a:rPr b="0" lang="en-US"/>
+              <a:t>Redundant Segment Reduction - fast matrix-vector multiplication, applied per row.</a:t>
+            </a:r>
+            <a:endParaRPr b="0"/>
+          </a:p>
+          <a:p>
+            <a:pPr indent="-342900" lvl="0" marL="342900" rtl="0" algn="l">
+              <a:spcBef>
+                <a:spcPts val="1200"/>
+              </a:spcBef>
+              <a:spcAft>
+                <a:spcPts val="0"/>
+              </a:spcAft>
+              <a:buSzPts val="1200"/>
+              <a:buChar char="⬛"/>
+            </a:pPr>
+            <a:r>
+              <a:rPr b="0" lang="en-US"/>
+              <a:t>Value compression (5 values into 8 bits): Speedup only for sparsity 2. Trying dynamic compression added too much overhead.</a:t>
+            </a:r>
+            <a:endParaRPr b="0"/>
+          </a:p>
+        </p:txBody>
+      </p:sp>
+      <p:pic>
+        <p:nvPicPr>
+          <p:cNvPr id="166" name="Google Shape;166;g360c9d6cddb_12_0"/>
           <p:cNvPicPr preferRelativeResize="0"/>
           <p:nvPr/>
         </p:nvPicPr>
@@ -7471,8 +8334,8 @@
         </p:blipFill>
         <p:spPr>
           <a:xfrm>
-            <a:off x="769538" y="2603775"/>
-            <a:ext cx="7450474" cy="3880449"/>
+            <a:off x="5529450" y="3934100"/>
+            <a:ext cx="3435624" cy="2813850"/>
           </a:xfrm>
           <a:prstGeom prst="rect">
             <a:avLst/>
@@ -7483,16 +8346,24 @@
           </a:ln>
         </p:spPr>
       </p:pic>
-      <p:sp>
-        <p:nvSpPr>
-          <p:cNvPr id="158" name="Google Shape;158;g35fefa43234_5_49"/>
-          <p:cNvSpPr txBox="1"/>
+      <p:pic>
+        <p:nvPicPr>
+          <p:cNvPr id="167" name="Google Shape;167;g360c9d6cddb_12_0"/>
+          <p:cNvPicPr preferRelativeResize="0"/>
           <p:nvPr/>
-        </p:nvSpPr>
-        <p:spPr>
-          <a:xfrm>
-            <a:off x="5770050" y="4916950"/>
-            <a:ext cx="3000000" cy="1655400"/>
+        </p:nvPicPr>
+        <p:blipFill>
+          <a:blip r:embed="rId4">
+            <a:alphaModFix/>
+          </a:blip>
+          <a:stretch>
+            <a:fillRect/>
+          </a:stretch>
+        </p:blipFill>
+        <p:spPr>
+          <a:xfrm>
+            <a:off x="5529450" y="180900"/>
+            <a:ext cx="3240224" cy="3634700"/>
           </a:xfrm>
           <a:prstGeom prst="rect">
             <a:avLst/>
@@ -7502,6 +8373,95 @@
             <a:noFill/>
           </a:ln>
         </p:spPr>
+      </p:pic>
+    </p:spTree>
+  </p:cSld>
+  <p:clrMapOvr>
+    <a:masterClrMapping/>
+  </p:clrMapOvr>
+</p:sld>
+</file>
+
+<file path=ppt/slides/slide18.xml><?xml version="1.0" encoding="utf-8"?>
+<p:sld xmlns:a="http://schemas.openxmlformats.org/drawingml/2006/main" xmlns:r="http://schemas.openxmlformats.org/officeDocument/2006/relationships" xmlns:mc="http://schemas.openxmlformats.org/markup-compatibility/2006" xmlns:mv="urn:schemas-microsoft-com:mac:vml" xmlns:p="http://schemas.openxmlformats.org/presentationml/2006/main" xmlns:c="http://schemas.openxmlformats.org/drawingml/2006/chart" xmlns:dgm="http://schemas.openxmlformats.org/drawingml/2006/diagram" xmlns:o="urn:schemas-microsoft-com:office:office" xmlns:v="urn:schemas-microsoft-com:vml" xmlns:pvml="urn:schemas-microsoft-com:office:powerpoint" xmlns:com="http://schemas.openxmlformats.org/drawingml/2006/compatibility" xmlns:p14="http://schemas.microsoft.com/office/powerpoint/2010/main" xmlns:p15="http://schemas.microsoft.com/office/powerpoint/2012/main" xmlns:ahyp="http://schemas.microsoft.com/office/drawing/2018/hyperlinkcolor">
+  <p:cSld>
+    <p:spTree>
+      <p:nvGrpSpPr>
+        <p:cNvPr id="171" name="Shape 171"/>
+        <p:cNvGrpSpPr/>
+        <p:nvPr/>
+      </p:nvGrpSpPr>
+      <p:grpSpPr>
+        <a:xfrm>
+          <a:off x="0" y="0"/>
+          <a:ext cx="0" cy="0"/>
+          <a:chOff x="0" y="0"/>
+          <a:chExt cx="0" cy="0"/>
+        </a:xfrm>
+      </p:grpSpPr>
+      <p:sp>
+        <p:nvSpPr>
+          <p:cNvPr id="172" name="Google Shape;172;g360c9d6cddb_8_0"/>
+          <p:cNvSpPr txBox="1"/>
+          <p:nvPr>
+            <p:ph type="title"/>
+          </p:nvPr>
+        </p:nvSpPr>
+        <p:spPr>
+          <a:xfrm>
+            <a:off x="364052" y="180900"/>
+            <a:ext cx="8406000" cy="762000"/>
+          </a:xfrm>
+          <a:prstGeom prst="rect">
+            <a:avLst/>
+          </a:prstGeom>
+          <a:noFill/>
+          <a:ln>
+            <a:noFill/>
+          </a:ln>
+        </p:spPr>
+        <p:txBody>
+          <a:bodyPr anchorCtr="0" anchor="t" bIns="45700" lIns="91425" spcFirstLastPara="1" rIns="91425" wrap="square" tIns="91425">
+            <a:noAutofit/>
+          </a:bodyPr>
+          <a:lstStyle/>
+          <a:p>
+            <a:pPr indent="0" lvl="0" marL="0" rtl="0" algn="l">
+              <a:spcBef>
+                <a:spcPts val="0"/>
+              </a:spcBef>
+              <a:spcAft>
+                <a:spcPts val="0"/>
+              </a:spcAft>
+              <a:buNone/>
+            </a:pPr>
+            <a:r>
+              <a:rPr lang="en-US"/>
+              <a:t>Questions?</a:t>
+            </a:r>
+            <a:endParaRPr/>
+          </a:p>
+        </p:txBody>
+      </p:sp>
+      <p:sp>
+        <p:nvSpPr>
+          <p:cNvPr id="173" name="Google Shape;173;g360c9d6cddb_8_0"/>
+          <p:cNvSpPr txBox="1"/>
+          <p:nvPr/>
+        </p:nvSpPr>
+        <p:spPr>
+          <a:xfrm>
+            <a:off x="5770050" y="4916950"/>
+            <a:ext cx="3000000" cy="292500"/>
+          </a:xfrm>
+          <a:prstGeom prst="rect">
+            <a:avLst/>
+          </a:prstGeom>
+          <a:noFill/>
+          <a:ln>
+            <a:noFill/>
+          </a:ln>
+        </p:spPr>
         <p:txBody>
           <a:bodyPr anchorCtr="0" anchor="t" bIns="91425" lIns="91425" spcFirstLastPara="1" rIns="91425" wrap="square" tIns="91425">
             <a:spAutoFit/>
@@ -7521,217 +8481,7 @@
               <a:buNone/>
             </a:pPr>
             <a:r>
-              <a:rPr lang="en-US" sz="700"/>
-              <a:t>BaseTCSC (Sparsity 1/16): 14.91%</a:t>
-            </a:r>
-            <a:endParaRPr sz="700"/>
-          </a:p>
-          <a:p>
-            <a:pPr indent="0" lvl="0" marL="0" rtl="0" algn="l">
-              <a:lnSpc>
-                <a:spcPct val="115000"/>
-              </a:lnSpc>
-              <a:spcBef>
-                <a:spcPts val="0"/>
-              </a:spcBef>
-              <a:spcAft>
-                <a:spcPts val="0"/>
-              </a:spcAft>
-              <a:buNone/>
-            </a:pPr>
-            <a:r>
-              <a:rPr lang="en-US" sz="700"/>
-              <a:t>BaseTCSC (Sparsity 1/2): 11.12%</a:t>
-            </a:r>
-            <a:endParaRPr sz="700"/>
-          </a:p>
-          <a:p>
-            <a:pPr indent="0" lvl="0" marL="0" rtl="0" algn="l">
-              <a:lnSpc>
-                <a:spcPct val="115000"/>
-              </a:lnSpc>
-              <a:spcBef>
-                <a:spcPts val="0"/>
-              </a:spcBef>
-              <a:spcAft>
-                <a:spcPts val="0"/>
-              </a:spcAft>
-              <a:buNone/>
-            </a:pPr>
-            <a:r>
-              <a:rPr lang="en-US" sz="700"/>
-              <a:t>BaseTCSC (Sparsity 1/4): 13.07%</a:t>
-            </a:r>
-            <a:endParaRPr sz="700"/>
-          </a:p>
-          <a:p>
-            <a:pPr indent="0" lvl="0" marL="0" rtl="0" algn="l">
-              <a:lnSpc>
-                <a:spcPct val="115000"/>
-              </a:lnSpc>
-              <a:spcBef>
-                <a:spcPts val="0"/>
-              </a:spcBef>
-              <a:spcAft>
-                <a:spcPts val="0"/>
-              </a:spcAft>
-              <a:buNone/>
-            </a:pPr>
-            <a:r>
-              <a:rPr lang="en-US" sz="700"/>
-              <a:t>BaseTCSC (Sparsity 1/8): 14.94%</a:t>
-            </a:r>
-            <a:endParaRPr sz="700"/>
-          </a:p>
-          <a:p>
-            <a:pPr indent="0" lvl="0" marL="0" rtl="0" algn="l">
-              <a:lnSpc>
-                <a:spcPct val="115000"/>
-              </a:lnSpc>
-              <a:spcBef>
-                <a:spcPts val="0"/>
-              </a:spcBef>
-              <a:spcAft>
-                <a:spcPts val="0"/>
-              </a:spcAft>
-              <a:buNone/>
-            </a:pPr>
-            <a:r>
-              <a:rPr b="1" lang="en-US" sz="700"/>
-              <a:t>DoubleUnrolledTCSC_K4_M4 (Sparsity 1/16): 56.24%</a:t>
-            </a:r>
-            <a:endParaRPr b="1" sz="700"/>
-          </a:p>
-          <a:p>
-            <a:pPr indent="0" lvl="0" marL="0" rtl="0" algn="l">
-              <a:lnSpc>
-                <a:spcPct val="115000"/>
-              </a:lnSpc>
-              <a:spcBef>
-                <a:spcPts val="0"/>
-              </a:spcBef>
-              <a:spcAft>
-                <a:spcPts val="0"/>
-              </a:spcAft>
-              <a:buNone/>
-            </a:pPr>
-            <a:r>
-              <a:rPr lang="en-US" sz="700"/>
-              <a:t>DoubleUnrolledTCSC_K4_M4 (Sparsity 1/2): 49.95%</a:t>
-            </a:r>
-            <a:endParaRPr sz="700"/>
-          </a:p>
-          <a:p>
-            <a:pPr indent="0" lvl="0" marL="0" rtl="0" algn="l">
-              <a:lnSpc>
-                <a:spcPct val="115000"/>
-              </a:lnSpc>
-              <a:spcBef>
-                <a:spcPts val="0"/>
-              </a:spcBef>
-              <a:spcAft>
-                <a:spcPts val="0"/>
-              </a:spcAft>
-              <a:buNone/>
-            </a:pPr>
-            <a:r>
-              <a:rPr lang="en-US" sz="700"/>
-              <a:t>DoubleUnrolledTCSC_K4_M4 (Sparsity 1/4): 50.01%</a:t>
-            </a:r>
-            <a:endParaRPr sz="700"/>
-          </a:p>
-          <a:p>
-            <a:pPr indent="0" lvl="0" marL="0" rtl="0" algn="l">
-              <a:lnSpc>
-                <a:spcPct val="115000"/>
-              </a:lnSpc>
-              <a:spcBef>
-                <a:spcPts val="0"/>
-              </a:spcBef>
-              <a:spcAft>
-                <a:spcPts val="0"/>
-              </a:spcAft>
-              <a:buNone/>
-            </a:pPr>
-            <a:r>
-              <a:rPr lang="en-US" sz="700"/>
-              <a:t>DoubleUnrolledTCSC_K4_M4 (Sparsity 1/8): 54.12%</a:t>
-            </a:r>
-            <a:endParaRPr sz="700"/>
-          </a:p>
-          <a:p>
-            <a:pPr indent="0" lvl="0" marL="0" rtl="0" algn="l">
-              <a:lnSpc>
-                <a:spcPct val="115000"/>
-              </a:lnSpc>
-              <a:spcBef>
-                <a:spcPts val="0"/>
-              </a:spcBef>
-              <a:spcAft>
-                <a:spcPts val="0"/>
-              </a:spcAft>
-              <a:buNone/>
-            </a:pPr>
-            <a:r>
-              <a:rPr lang="en-US" sz="700"/>
-              <a:t>UnrolledTCSC_12 (Sparsity 1/16): 45.37%</a:t>
-            </a:r>
-            <a:endParaRPr sz="700"/>
-          </a:p>
-          <a:p>
-            <a:pPr indent="0" lvl="0" marL="0" rtl="0" algn="l">
-              <a:lnSpc>
-                <a:spcPct val="115000"/>
-              </a:lnSpc>
-              <a:spcBef>
-                <a:spcPts val="0"/>
-              </a:spcBef>
-              <a:spcAft>
-                <a:spcPts val="0"/>
-              </a:spcAft>
-              <a:buNone/>
-            </a:pPr>
-            <a:r>
-              <a:rPr lang="en-US" sz="700"/>
-              <a:t>UnrolledTCSC_12 (Sparsity 1/2): 43.41%</a:t>
-            </a:r>
-            <a:endParaRPr sz="700"/>
-          </a:p>
-          <a:p>
-            <a:pPr indent="0" lvl="0" marL="0" rtl="0" algn="l">
-              <a:lnSpc>
-                <a:spcPct val="115000"/>
-              </a:lnSpc>
-              <a:spcBef>
-                <a:spcPts val="0"/>
-              </a:spcBef>
-              <a:spcAft>
-                <a:spcPts val="0"/>
-              </a:spcAft>
-              <a:buNone/>
-            </a:pPr>
-            <a:r>
-              <a:rPr lang="en-US" sz="700"/>
-              <a:t>UnrolledTCSC_12 (Sparsity 1/4): 45.45%</a:t>
-            </a:r>
-            <a:endParaRPr sz="700"/>
-          </a:p>
-          <a:p>
-            <a:pPr indent="0" lvl="0" marL="0" rtl="0" algn="l">
-              <a:lnSpc>
-                <a:spcPct val="115000"/>
-              </a:lnSpc>
-              <a:spcBef>
-                <a:spcPts val="0"/>
-              </a:spcBef>
-              <a:spcAft>
-                <a:spcPts val="0"/>
-              </a:spcAft>
-              <a:buNone/>
-            </a:pPr>
-            <a:r>
-              <a:rPr lang="en-US" sz="700"/>
-              <a:t>UnrolledTCSC_12 (Sparsity 1/8): 45.77%</a:t>
+              <a:t/>
             </a:r>
             <a:endParaRPr sz="700"/>
           </a:p>
@@ -8118,7 +8868,7 @@
         <p:spPr>
           <a:xfrm>
             <a:off x="364050" y="1386875"/>
-            <a:ext cx="3619500" cy="4972200"/>
+            <a:ext cx="3720900" cy="4972200"/>
           </a:xfrm>
           <a:prstGeom prst="rect">
             <a:avLst/>
@@ -8166,7 +8916,7 @@
             </a:pPr>
             <a:r>
               <a:rPr lang="en-US"/>
-              <a:t>Store W by saving the row-indices of non-zero elements, column by column</a:t>
+              <a:t>Store W by saving the row-indices of non-zero elements, column by column.</a:t>
             </a:r>
             <a:endParaRPr/>
           </a:p>
@@ -8186,7 +8936,7 @@
             </a:pPr>
             <a:r>
               <a:rPr lang="en-US"/>
-              <a:t>Separate arrays for +1 and -1</a:t>
+              <a:t>Separate arrays for +1 and -1.</a:t>
             </a:r>
             <a:endParaRPr/>
           </a:p>
@@ -8220,7 +8970,7 @@
             </a:pPr>
             <a:r>
               <a:rPr lang="en-US"/>
-              <a:t>No mults needed, only adds</a:t>
+              <a:t>No mults needed, only adds.</a:t>
             </a:r>
             <a:endParaRPr/>
           </a:p>
@@ -8237,7 +8987,7 @@
             </a:pPr>
             <a:r>
               <a:rPr lang="en-US"/>
-              <a:t>Triple loop: external loop on rows of X and Y</a:t>
+              <a:t>Triple loop: external loop on rows of X and Y.</a:t>
             </a:r>
             <a:endParaRPr/>
           </a:p>
@@ -8254,7 +9004,7 @@
             </a:pPr>
             <a:r>
               <a:rPr lang="en-US"/>
-              <a:t>For each element of Y, add or subtract corresponding elements of X</a:t>
+              <a:t>For each element of Y, add or subtract corresponding elements of X.</a:t>
             </a:r>
             <a:endParaRPr/>
           </a:p>
@@ -8271,7 +9021,7 @@
             </a:pPr>
             <a:r>
               <a:rPr lang="en-US"/>
-              <a:t>Add corresponding element of b, apply PReLU</a:t>
+              <a:t>Add corresponding element of b, apply PReLU.</a:t>
             </a:r>
             <a:endParaRPr/>
           </a:p>
@@ -9082,7 +9832,7 @@
             </a:pPr>
             <a:r>
               <a:rPr lang="en-US"/>
-              <a:t>Baseline Analysis</a:t>
+              <a:t>BlockedTCSC</a:t>
             </a:r>
             <a:endParaRPr/>
           </a:p>
@@ -9147,7 +9897,7 @@
             </a:pPr>
             <a:r>
               <a:rPr lang="en-US"/>
-              <a:t>Both X and Y accessed one row at a time, then the row is discarded</a:t>
+              <a:t>Both X and Y accessed one row at a time, then the row is discarded.</a:t>
             </a:r>
             <a:endParaRPr/>
           </a:p>
@@ -9172,7 +9922,7 @@
             </a:r>
             <a:r>
               <a:rPr lang="en-US"/>
-              <a:t> and temporal locality</a:t>
+              <a:t> and temporal locality.</a:t>
             </a:r>
             <a:endParaRPr/>
           </a:p>
@@ -9197,7 +9947,7 @@
             </a:r>
             <a:r>
               <a:rPr lang="en-US"/>
-              <a:t> row</a:t>
+              <a:t> row.</a:t>
             </a:r>
             <a:endParaRPr/>
           </a:p>
@@ -9214,7 +9964,7 @@
             </a:pPr>
             <a:r>
               <a:rPr lang="en-US"/>
-              <a:t>Blocking: optimise access pattern on X by accessing only one blocked row at a time. On the other hand, this makes access every element of Y B times (tradeoff between perfect locality on X or perfect locality of Y)</a:t>
+              <a:t>Blocking: optimise access pattern on X by accessing only one blocked row at a time. On the other hand, this makes access every element of Y B times (tradeoff between perfect locality on X or perfect locality of Y).</a:t>
             </a:r>
             <a:endParaRPr/>
           </a:p>
@@ -9566,7 +10316,7 @@
             </a:pPr>
             <a:r>
               <a:rPr lang="en-US"/>
-              <a:t>The access pattern on X is inefficient</a:t>
+              <a:t>The access pattern on X is inefficient.</a:t>
             </a:r>
             <a:endParaRPr/>
           </a:p>
@@ -9597,6 +10347,10 @@
               <a:rPr b="0" lang="en-US"/>
               <a:t>negatives</a:t>
             </a:r>
+            <a:r>
+              <a:rPr lang="en-US"/>
+              <a:t>.</a:t>
+            </a:r>
             <a:endParaRPr/>
           </a:p>
           <a:p>
@@ -9637,7 +10391,7 @@
             </a:r>
             <a:r>
               <a:rPr b="0" lang="en-US"/>
-              <a:t> positive and negative entries in groups to improve memory access </a:t>
+              <a:t> positive and negative entries in groups to improve memory access. </a:t>
             </a:r>
             <a:endParaRPr b="0"/>
           </a:p>
@@ -9687,7 +10441,7 @@
             </a:r>
             <a:r>
               <a:rPr b="0" lang="en-US"/>
-              <a:t> redundant memory accesses</a:t>
+              <a:t> redundant memory accesses.</a:t>
             </a:r>
             <a:endParaRPr b="0"/>
           </a:p>
@@ -9704,7 +10458,7 @@
             </a:pPr>
             <a:r>
               <a:rPr lang="en-US"/>
-              <a:t>Increased performance for smaller test cases</a:t>
+              <a:t>Increased performance for smaller test cases.</a:t>
             </a:r>
             <a:endParaRPr/>
           </a:p>
@@ -9843,7 +10597,7 @@
             </a:r>
             <a:r>
               <a:rPr lang="en-US"/>
-              <a:t>tore all indices in a flattened vector with pointers to column</a:t>
+              <a:t>tore all indices in a flattened vector with pointers to column.</a:t>
             </a:r>
             <a:endParaRPr/>
           </a:p>
@@ -9860,7 +10614,7 @@
             </a:pPr>
             <a:r>
               <a:rPr lang="en-US"/>
-              <a:t>Store group indices first then remaining positive and negative columns</a:t>
+              <a:t>Store group indices first then remaining positive and negative columns.</a:t>
             </a:r>
             <a:endParaRPr/>
           </a:p>
@@ -9995,7 +10749,7 @@
                 <a:cs typeface="Calibri"/>
                 <a:sym typeface="Calibri"/>
               </a:rPr>
-              <a:t>Interleave inside the multiplication function</a:t>
+              <a:t>Interleave inside the multiplication function.</a:t>
             </a:r>
             <a:endParaRPr sz="1800">
               <a:solidFill>
@@ -10032,7 +10786,7 @@
                 <a:cs typeface="Calibri"/>
                 <a:sym typeface="Calibri"/>
               </a:rPr>
-              <a:t>Loop for smaller column and clean up remaining elements</a:t>
+              <a:t>Loop for smaller column and clean up remaining elements.</a:t>
             </a:r>
             <a:endParaRPr sz="2000">
               <a:solidFill>
